--- a/本当は難しいJavaScriptの話.pptx
+++ b/本当は難しいJavaScriptの話.pptx
@@ -25,8 +25,8 @@
     <p:sldId id="274" r:id="rId19"/>
     <p:sldId id="272" r:id="rId20"/>
     <p:sldId id="278" r:id="rId21"/>
-    <p:sldId id="276" r:id="rId22"/>
-    <p:sldId id="277" r:id="rId23"/>
+    <p:sldId id="277" r:id="rId22"/>
+    <p:sldId id="276" r:id="rId23"/>
   </p:sldIdLst>
   <p:sldSz cx="12192000" cy="6858000"/>
   <p:notesSz cx="6858000" cy="9144000"/>
@@ -304,7 +304,7 @@
           <a:p>
             <a:fld id="{1E4176B2-DA24-429F-A6FD-1FA3B52EA439}" type="datetimeFigureOut">
               <a:rPr kumimoji="1" lang="ja-JP" altLang="en-US" smtClean="0"/>
-              <a:t>2018/9/13</a:t>
+              <a:t>2018/9/14</a:t>
             </a:fld>
             <a:endParaRPr kumimoji="1" lang="ja-JP" altLang="en-US"/>
           </a:p>
@@ -616,7 +616,7 @@
           <a:p>
             <a:fld id="{1E4176B2-DA24-429F-A6FD-1FA3B52EA439}" type="datetimeFigureOut">
               <a:rPr kumimoji="1" lang="ja-JP" altLang="en-US" smtClean="0"/>
-              <a:t>2018/9/13</a:t>
+              <a:t>2018/9/14</a:t>
             </a:fld>
             <a:endParaRPr kumimoji="1" lang="ja-JP" altLang="en-US"/>
           </a:p>
@@ -838,7 +838,7 @@
           <a:p>
             <a:fld id="{1E4176B2-DA24-429F-A6FD-1FA3B52EA439}" type="datetimeFigureOut">
               <a:rPr kumimoji="1" lang="ja-JP" altLang="en-US" smtClean="0"/>
-              <a:t>2018/9/13</a:t>
+              <a:t>2018/9/14</a:t>
             </a:fld>
             <a:endParaRPr kumimoji="1" lang="ja-JP" altLang="en-US"/>
           </a:p>
@@ -1129,7 +1129,7 @@
           <a:p>
             <a:fld id="{1E4176B2-DA24-429F-A6FD-1FA3B52EA439}" type="datetimeFigureOut">
               <a:rPr kumimoji="1" lang="ja-JP" altLang="en-US" smtClean="0"/>
-              <a:t>2018/9/13</a:t>
+              <a:t>2018/9/14</a:t>
             </a:fld>
             <a:endParaRPr kumimoji="1" lang="ja-JP" altLang="en-US"/>
           </a:p>
@@ -1583,7 +1583,7 @@
           <a:p>
             <a:fld id="{1E4176B2-DA24-429F-A6FD-1FA3B52EA439}" type="datetimeFigureOut">
               <a:rPr kumimoji="1" lang="ja-JP" altLang="en-US" smtClean="0"/>
-              <a:t>2018/9/13</a:t>
+              <a:t>2018/9/14</a:t>
             </a:fld>
             <a:endParaRPr kumimoji="1" lang="ja-JP" altLang="en-US"/>
           </a:p>
@@ -2159,7 +2159,7 @@
           <a:p>
             <a:fld id="{1E4176B2-DA24-429F-A6FD-1FA3B52EA439}" type="datetimeFigureOut">
               <a:rPr kumimoji="1" lang="ja-JP" altLang="en-US" smtClean="0"/>
-              <a:t>2018/9/13</a:t>
+              <a:t>2018/9/14</a:t>
             </a:fld>
             <a:endParaRPr kumimoji="1" lang="ja-JP" altLang="en-US"/>
           </a:p>
@@ -3011,7 +3011,7 @@
           <a:p>
             <a:fld id="{1E4176B2-DA24-429F-A6FD-1FA3B52EA439}" type="datetimeFigureOut">
               <a:rPr kumimoji="1" lang="ja-JP" altLang="en-US" smtClean="0"/>
-              <a:t>2018/9/13</a:t>
+              <a:t>2018/9/14</a:t>
             </a:fld>
             <a:endParaRPr kumimoji="1" lang="ja-JP" altLang="en-US"/>
           </a:p>
@@ -3248,7 +3248,7 @@
           <a:p>
             <a:fld id="{1E4176B2-DA24-429F-A6FD-1FA3B52EA439}" type="datetimeFigureOut">
               <a:rPr kumimoji="1" lang="ja-JP" altLang="en-US" smtClean="0"/>
-              <a:t>2018/9/13</a:t>
+              <a:t>2018/9/14</a:t>
             </a:fld>
             <a:endParaRPr kumimoji="1" lang="ja-JP" altLang="en-US"/>
           </a:p>
@@ -3494,7 +3494,7 @@
           <a:p>
             <a:fld id="{1E4176B2-DA24-429F-A6FD-1FA3B52EA439}" type="datetimeFigureOut">
               <a:rPr kumimoji="1" lang="ja-JP" altLang="en-US" smtClean="0"/>
-              <a:t>2018/9/13</a:t>
+              <a:t>2018/9/14</a:t>
             </a:fld>
             <a:endParaRPr kumimoji="1" lang="ja-JP" altLang="en-US"/>
           </a:p>
@@ -3731,7 +3731,7 @@
           <a:p>
             <a:fld id="{1E4176B2-DA24-429F-A6FD-1FA3B52EA439}" type="datetimeFigureOut">
               <a:rPr kumimoji="1" lang="ja-JP" altLang="en-US" smtClean="0"/>
-              <a:t>2018/9/13</a:t>
+              <a:t>2018/9/14</a:t>
             </a:fld>
             <a:endParaRPr kumimoji="1" lang="ja-JP" altLang="en-US"/>
           </a:p>
@@ -4011,7 +4011,7 @@
           <a:p>
             <a:fld id="{1E4176B2-DA24-429F-A6FD-1FA3B52EA439}" type="datetimeFigureOut">
               <a:rPr kumimoji="1" lang="ja-JP" altLang="en-US" smtClean="0"/>
-              <a:t>2018/9/13</a:t>
+              <a:t>2018/9/14</a:t>
             </a:fld>
             <a:endParaRPr kumimoji="1" lang="ja-JP" altLang="en-US"/>
           </a:p>
@@ -4342,7 +4342,7 @@
           <a:p>
             <a:fld id="{1E4176B2-DA24-429F-A6FD-1FA3B52EA439}" type="datetimeFigureOut">
               <a:rPr kumimoji="1" lang="ja-JP" altLang="en-US" smtClean="0"/>
-              <a:t>2018/9/13</a:t>
+              <a:t>2018/9/14</a:t>
             </a:fld>
             <a:endParaRPr kumimoji="1" lang="ja-JP" altLang="en-US"/>
           </a:p>
@@ -4821,7 +4821,7 @@
           <a:p>
             <a:fld id="{1E4176B2-DA24-429F-A6FD-1FA3B52EA439}" type="datetimeFigureOut">
               <a:rPr kumimoji="1" lang="ja-JP" altLang="en-US" smtClean="0"/>
-              <a:t>2018/9/13</a:t>
+              <a:t>2018/9/14</a:t>
             </a:fld>
             <a:endParaRPr kumimoji="1" lang="ja-JP" altLang="en-US"/>
           </a:p>
@@ -4969,7 +4969,7 @@
           <a:p>
             <a:fld id="{1E4176B2-DA24-429F-A6FD-1FA3B52EA439}" type="datetimeFigureOut">
               <a:rPr kumimoji="1" lang="ja-JP" altLang="en-US" smtClean="0"/>
-              <a:t>2018/9/13</a:t>
+              <a:t>2018/9/14</a:t>
             </a:fld>
             <a:endParaRPr kumimoji="1" lang="ja-JP" altLang="en-US"/>
           </a:p>
@@ -5094,7 +5094,7 @@
           <a:p>
             <a:fld id="{1E4176B2-DA24-429F-A6FD-1FA3B52EA439}" type="datetimeFigureOut">
               <a:rPr kumimoji="1" lang="ja-JP" altLang="en-US" smtClean="0"/>
-              <a:t>2018/9/13</a:t>
+              <a:t>2018/9/14</a:t>
             </a:fld>
             <a:endParaRPr kumimoji="1" lang="ja-JP" altLang="en-US"/>
           </a:p>
@@ -5405,7 +5405,7 @@
           <a:p>
             <a:fld id="{1E4176B2-DA24-429F-A6FD-1FA3B52EA439}" type="datetimeFigureOut">
               <a:rPr kumimoji="1" lang="ja-JP" altLang="en-US" smtClean="0"/>
-              <a:t>2018/9/13</a:t>
+              <a:t>2018/9/14</a:t>
             </a:fld>
             <a:endParaRPr kumimoji="1" lang="ja-JP" altLang="en-US"/>
           </a:p>
@@ -5717,7 +5717,7 @@
           <a:p>
             <a:fld id="{1E4176B2-DA24-429F-A6FD-1FA3B52EA439}" type="datetimeFigureOut">
               <a:rPr kumimoji="1" lang="ja-JP" altLang="en-US" smtClean="0"/>
-              <a:t>2018/9/13</a:t>
+              <a:t>2018/9/14</a:t>
             </a:fld>
             <a:endParaRPr kumimoji="1" lang="ja-JP" altLang="en-US"/>
           </a:p>
@@ -6002,7 +6002,7 @@
           <a:p>
             <a:fld id="{1E4176B2-DA24-429F-A6FD-1FA3B52EA439}" type="datetimeFigureOut">
               <a:rPr kumimoji="1" lang="ja-JP" altLang="en-US" smtClean="0"/>
-              <a:t>2018/9/13</a:t>
+              <a:t>2018/9/14</a:t>
             </a:fld>
             <a:endParaRPr kumimoji="1" lang="ja-JP" altLang="en-US"/>
           </a:p>
@@ -8580,6 +8580,261 @@
           </a:p>
         </p:txBody>
       </p:sp>
+      <p:sp>
+        <p:nvSpPr>
+          <p:cNvPr id="4" name="正方形/長方形 3">
+            <a:extLst>
+              <a:ext uri="{FF2B5EF4-FFF2-40B4-BE49-F238E27FC236}">
+                <a16:creationId xmlns:a16="http://schemas.microsoft.com/office/drawing/2014/main" id="{CC5DFE09-8878-4B9F-BC2B-DE7DDF7CA094}"/>
+              </a:ext>
+            </a:extLst>
+          </p:cNvPr>
+          <p:cNvSpPr/>
+          <p:nvPr/>
+        </p:nvSpPr>
+        <p:spPr>
+          <a:xfrm>
+            <a:off x="722860" y="3625211"/>
+            <a:ext cx="10029841" cy="2803869"/>
+          </a:xfrm>
+          <a:prstGeom prst="rect">
+            <a:avLst/>
+          </a:prstGeom>
+          <a:solidFill>
+            <a:schemeClr val="accent3">
+              <a:lumMod val="20000"/>
+              <a:lumOff val="80000"/>
+            </a:schemeClr>
+          </a:solidFill>
+          <a:ln>
+            <a:noFill/>
+          </a:ln>
+        </p:spPr>
+        <p:style>
+          <a:lnRef idx="2">
+            <a:schemeClr val="accent1">
+              <a:shade val="50000"/>
+            </a:schemeClr>
+          </a:lnRef>
+          <a:fillRef idx="1">
+            <a:schemeClr val="accent1"/>
+          </a:fillRef>
+          <a:effectRef idx="0">
+            <a:schemeClr val="accent1"/>
+          </a:effectRef>
+          <a:fontRef idx="minor">
+            <a:schemeClr val="lt1"/>
+          </a:fontRef>
+        </p:style>
+        <p:txBody>
+          <a:bodyPr rtlCol="0" anchor="ctr"/>
+          <a:lstStyle/>
+          <a:p>
+            <a:r>
+              <a:rPr kumimoji="1" lang="ja-JP" altLang="en-US" dirty="0">
+                <a:solidFill>
+                  <a:schemeClr val="tx1"/>
+                </a:solidFill>
+                <a:latin typeface="ＭＳ ゴシック" panose="020B0609070205080204" pitchFamily="49" charset="-128"/>
+                <a:ea typeface="ＭＳ ゴシック" panose="020B0609070205080204" pitchFamily="49" charset="-128"/>
+              </a:rPr>
+              <a:t>実際の動作はすべて同じです。</a:t>
+            </a:r>
+            <a:r>
+              <a:rPr kumimoji="1" lang="en-US" altLang="ja-JP" dirty="0">
+                <a:solidFill>
+                  <a:schemeClr val="tx1"/>
+                </a:solidFill>
+                <a:latin typeface="ＭＳ ゴシック" panose="020B0609070205080204" pitchFamily="49" charset="-128"/>
+                <a:ea typeface="ＭＳ ゴシック" panose="020B0609070205080204" pitchFamily="49" charset="-128"/>
+              </a:rPr>
+              <a:t>Promise</a:t>
+            </a:r>
+            <a:r>
+              <a:rPr kumimoji="1" lang="ja-JP" altLang="en-US" dirty="0">
+                <a:solidFill>
+                  <a:schemeClr val="tx1"/>
+                </a:solidFill>
+                <a:latin typeface="ＭＳ ゴシック" panose="020B0609070205080204" pitchFamily="49" charset="-128"/>
+                <a:ea typeface="ＭＳ ゴシック" panose="020B0609070205080204" pitchFamily="49" charset="-128"/>
+              </a:rPr>
+              <a:t>や</a:t>
+            </a:r>
+            <a:r>
+              <a:rPr kumimoji="1" lang="en-US" altLang="ja-JP" dirty="0">
+                <a:solidFill>
+                  <a:schemeClr val="tx1"/>
+                </a:solidFill>
+                <a:latin typeface="ＭＳ ゴシック" panose="020B0609070205080204" pitchFamily="49" charset="-128"/>
+                <a:ea typeface="ＭＳ ゴシック" panose="020B0609070205080204" pitchFamily="49" charset="-128"/>
+              </a:rPr>
+              <a:t>Async</a:t>
+            </a:r>
+            <a:r>
+              <a:rPr kumimoji="1" lang="ja-JP" altLang="en-US" dirty="0">
+                <a:solidFill>
+                  <a:schemeClr val="tx1"/>
+                </a:solidFill>
+                <a:latin typeface="ＭＳ ゴシック" panose="020B0609070205080204" pitchFamily="49" charset="-128"/>
+                <a:ea typeface="ＭＳ ゴシック" panose="020B0609070205080204" pitchFamily="49" charset="-128"/>
+              </a:rPr>
+              <a:t>だからといって</a:t>
+            </a:r>
+            <a:endParaRPr kumimoji="1" lang="en-US" altLang="ja-JP" dirty="0">
+              <a:solidFill>
+                <a:schemeClr val="tx1"/>
+              </a:solidFill>
+              <a:latin typeface="ＭＳ ゴシック" panose="020B0609070205080204" pitchFamily="49" charset="-128"/>
+              <a:ea typeface="ＭＳ ゴシック" panose="020B0609070205080204" pitchFamily="49" charset="-128"/>
+            </a:endParaRPr>
+          </a:p>
+          <a:p>
+            <a:r>
+              <a:rPr kumimoji="1" lang="ja-JP" altLang="en-US" dirty="0">
+                <a:solidFill>
+                  <a:schemeClr val="tx1"/>
+                </a:solidFill>
+                <a:latin typeface="ＭＳ ゴシック" panose="020B0609070205080204" pitchFamily="49" charset="-128"/>
+                <a:ea typeface="ＭＳ ゴシック" panose="020B0609070205080204" pitchFamily="49" charset="-128"/>
+              </a:rPr>
+              <a:t>動作が変わることはありません。最終的にはすべてコールバック処理（非同期処理）</a:t>
+            </a:r>
+            <a:endParaRPr kumimoji="1" lang="en-US" altLang="ja-JP" dirty="0">
+              <a:solidFill>
+                <a:schemeClr val="tx1"/>
+              </a:solidFill>
+              <a:latin typeface="ＭＳ ゴシック" panose="020B0609070205080204" pitchFamily="49" charset="-128"/>
+              <a:ea typeface="ＭＳ ゴシック" panose="020B0609070205080204" pitchFamily="49" charset="-128"/>
+            </a:endParaRPr>
+          </a:p>
+          <a:p>
+            <a:r>
+              <a:rPr kumimoji="1" lang="ja-JP" altLang="en-US" dirty="0">
+                <a:solidFill>
+                  <a:schemeClr val="tx1"/>
+                </a:solidFill>
+                <a:latin typeface="ＭＳ ゴシック" panose="020B0609070205080204" pitchFamily="49" charset="-128"/>
+                <a:ea typeface="ＭＳ ゴシック" panose="020B0609070205080204" pitchFamily="49" charset="-128"/>
+              </a:rPr>
+              <a:t>になります。</a:t>
+            </a:r>
+            <a:endParaRPr kumimoji="1" lang="en-US" altLang="ja-JP" dirty="0">
+              <a:solidFill>
+                <a:schemeClr val="tx1"/>
+              </a:solidFill>
+              <a:latin typeface="ＭＳ ゴシック" panose="020B0609070205080204" pitchFamily="49" charset="-128"/>
+              <a:ea typeface="ＭＳ ゴシック" panose="020B0609070205080204" pitchFamily="49" charset="-128"/>
+            </a:endParaRPr>
+          </a:p>
+          <a:p>
+            <a:endParaRPr kumimoji="1" lang="en-US" altLang="ja-JP" dirty="0">
+              <a:solidFill>
+                <a:schemeClr val="tx1"/>
+              </a:solidFill>
+              <a:latin typeface="ＭＳ ゴシック" panose="020B0609070205080204" pitchFamily="49" charset="-128"/>
+              <a:ea typeface="ＭＳ ゴシック" panose="020B0609070205080204" pitchFamily="49" charset="-128"/>
+            </a:endParaRPr>
+          </a:p>
+          <a:p>
+            <a:r>
+              <a:rPr kumimoji="1" lang="en-US" altLang="ja-JP" dirty="0" err="1">
+                <a:solidFill>
+                  <a:schemeClr val="tx1"/>
+                </a:solidFill>
+                <a:latin typeface="ＭＳ ゴシック" panose="020B0609070205080204" pitchFamily="49" charset="-128"/>
+                <a:ea typeface="ＭＳ ゴシック" panose="020B0609070205080204" pitchFamily="49" charset="-128"/>
+              </a:rPr>
+              <a:t>Promise,Async</a:t>
+            </a:r>
+            <a:r>
+              <a:rPr kumimoji="1" lang="en-US" altLang="ja-JP" dirty="0">
+                <a:solidFill>
+                  <a:schemeClr val="tx1"/>
+                </a:solidFill>
+                <a:latin typeface="ＭＳ ゴシック" panose="020B0609070205080204" pitchFamily="49" charset="-128"/>
+                <a:ea typeface="ＭＳ ゴシック" panose="020B0609070205080204" pitchFamily="49" charset="-128"/>
+              </a:rPr>
+              <a:t>/Await</a:t>
+            </a:r>
+            <a:r>
+              <a:rPr kumimoji="1" lang="ja-JP" altLang="en-US" dirty="0">
+                <a:solidFill>
+                  <a:schemeClr val="tx1"/>
+                </a:solidFill>
+                <a:latin typeface="ＭＳ ゴシック" panose="020B0609070205080204" pitchFamily="49" charset="-128"/>
+                <a:ea typeface="ＭＳ ゴシック" panose="020B0609070205080204" pitchFamily="49" charset="-128"/>
+              </a:rPr>
+              <a:t>はコールバック（非同期処理）を</a:t>
+            </a:r>
+            <a:r>
+              <a:rPr kumimoji="1" lang="ja-JP" altLang="en-US" dirty="0">
+                <a:solidFill>
+                  <a:srgbClr val="FF0000"/>
+                </a:solidFill>
+                <a:latin typeface="ＭＳ ゴシック" panose="020B0609070205080204" pitchFamily="49" charset="-128"/>
+                <a:ea typeface="ＭＳ ゴシック" panose="020B0609070205080204" pitchFamily="49" charset="-128"/>
+              </a:rPr>
+              <a:t>どう簡単に記述できるかという</a:t>
+            </a:r>
+            <a:endParaRPr kumimoji="1" lang="en-US" altLang="ja-JP" dirty="0">
+              <a:solidFill>
+                <a:srgbClr val="FF0000"/>
+              </a:solidFill>
+              <a:latin typeface="ＭＳ ゴシック" panose="020B0609070205080204" pitchFamily="49" charset="-128"/>
+              <a:ea typeface="ＭＳ ゴシック" panose="020B0609070205080204" pitchFamily="49" charset="-128"/>
+            </a:endParaRPr>
+          </a:p>
+          <a:p>
+            <a:r>
+              <a:rPr kumimoji="1" lang="ja-JP" altLang="en-US" dirty="0">
+                <a:solidFill>
+                  <a:srgbClr val="FF0000"/>
+                </a:solidFill>
+                <a:latin typeface="ＭＳ ゴシック" panose="020B0609070205080204" pitchFamily="49" charset="-128"/>
+                <a:ea typeface="ＭＳ ゴシック" panose="020B0609070205080204" pitchFamily="49" charset="-128"/>
+              </a:rPr>
+              <a:t>実装（コーディング）の技術</a:t>
+            </a:r>
+            <a:r>
+              <a:rPr kumimoji="1" lang="ja-JP" altLang="en-US" dirty="0">
+                <a:solidFill>
+                  <a:schemeClr val="tx1"/>
+                </a:solidFill>
+                <a:latin typeface="ＭＳ ゴシック" panose="020B0609070205080204" pitchFamily="49" charset="-128"/>
+                <a:ea typeface="ＭＳ ゴシック" panose="020B0609070205080204" pitchFamily="49" charset="-128"/>
+              </a:rPr>
+              <a:t>です。</a:t>
+            </a:r>
+            <a:r>
+              <a:rPr kumimoji="1" lang="ja-JP" altLang="en-US" dirty="0" err="1">
+                <a:solidFill>
+                  <a:schemeClr val="tx1"/>
+                </a:solidFill>
+                <a:latin typeface="ＭＳ ゴシック" panose="020B0609070205080204" pitchFamily="49" charset="-128"/>
+                <a:ea typeface="ＭＳ ゴシック" panose="020B0609070205080204" pitchFamily="49" charset="-128"/>
+              </a:rPr>
+              <a:t>なので</a:t>
+            </a:r>
+            <a:r>
+              <a:rPr kumimoji="1" lang="ja-JP" altLang="en-US" dirty="0">
+                <a:solidFill>
+                  <a:schemeClr val="tx1"/>
+                </a:solidFill>
+                <a:latin typeface="ＭＳ ゴシック" panose="020B0609070205080204" pitchFamily="49" charset="-128"/>
+                <a:ea typeface="ＭＳ ゴシック" panose="020B0609070205080204" pitchFamily="49" charset="-128"/>
+              </a:rPr>
+              <a:t>すべて同じ処理を違う記述で書くことが出来ます。</a:t>
+            </a:r>
+            <a:endParaRPr kumimoji="1" lang="en-US" altLang="ja-JP" dirty="0">
+              <a:solidFill>
+                <a:schemeClr val="tx1"/>
+              </a:solidFill>
+              <a:latin typeface="ＭＳ ゴシック" panose="020B0609070205080204" pitchFamily="49" charset="-128"/>
+              <a:ea typeface="ＭＳ ゴシック" panose="020B0609070205080204" pitchFamily="49" charset="-128"/>
+            </a:endParaRPr>
+          </a:p>
+        </p:txBody>
+      </p:sp>
     </p:spTree>
     <p:extLst>
       <p:ext uri="{BB962C8B-B14F-4D97-AF65-F5344CB8AC3E}">
@@ -8638,7 +8893,7 @@
           <a:p>
             <a:r>
               <a:rPr kumimoji="1" lang="ja-JP" altLang="en-US" dirty="0"/>
-              <a:t>非同期処理の実装の変遷</a:t>
+              <a:t>非同期処理の実装方法の変遷</a:t>
             </a:r>
           </a:p>
         </p:txBody>
@@ -8860,7 +9115,27 @@
                 <a:latin typeface="ＭＳ ゴシック" panose="020B0609070205080204" pitchFamily="49" charset="-128"/>
                 <a:ea typeface="ＭＳ ゴシック" panose="020B0609070205080204" pitchFamily="49" charset="-128"/>
               </a:rPr>
-              <a:t>　まで含めると大変。</a:t>
+              <a:t>　まで含めると大変なので</a:t>
+            </a:r>
+            <a:r>
+              <a:rPr kumimoji="1" lang="en-US" altLang="ja-JP" dirty="0">
+                <a:solidFill>
+                  <a:schemeClr val="tx1"/>
+                </a:solidFill>
+                <a:latin typeface="ＭＳ ゴシック" panose="020B0609070205080204" pitchFamily="49" charset="-128"/>
+                <a:ea typeface="ＭＳ ゴシック" panose="020B0609070205080204" pitchFamily="49" charset="-128"/>
+              </a:rPr>
+              <a:t>Promise</a:t>
+            </a:r>
+            <a:r>
+              <a:rPr kumimoji="1" lang="ja-JP" altLang="en-US" dirty="0">
+                <a:solidFill>
+                  <a:schemeClr val="tx1"/>
+                </a:solidFill>
+                <a:latin typeface="ＭＳ ゴシック" panose="020B0609070205080204" pitchFamily="49" charset="-128"/>
+                <a:ea typeface="ＭＳ ゴシック" panose="020B0609070205080204" pitchFamily="49" charset="-128"/>
+              </a:rPr>
+              <a:t>ライブラリが出現。</a:t>
             </a:r>
             <a:endParaRPr kumimoji="1" lang="en-US" altLang="ja-JP" dirty="0">
               <a:solidFill>
@@ -8940,16 +9215,6 @@
               <a:t>　理由：非同期処理を使う</a:t>
             </a:r>
             <a:r>
-              <a:rPr kumimoji="1" lang="en-US" altLang="ja-JP" dirty="0" err="1">
-                <a:solidFill>
-                  <a:schemeClr val="tx1"/>
-                </a:solidFill>
-                <a:latin typeface="ＭＳ ゴシック" panose="020B0609070205080204" pitchFamily="49" charset="-128"/>
-                <a:ea typeface="ＭＳ ゴシック" panose="020B0609070205080204" pitchFamily="49" charset="-128"/>
-              </a:rPr>
-              <a:t>Defered</a:t>
-            </a:r>
-            <a:r>
               <a:rPr kumimoji="1" lang="en-US" altLang="ja-JP" dirty="0">
                 <a:solidFill>
                   <a:schemeClr val="tx1"/>
@@ -8957,7 +9222,7 @@
                 <a:latin typeface="ＭＳ ゴシック" panose="020B0609070205080204" pitchFamily="49" charset="-128"/>
                 <a:ea typeface="ＭＳ ゴシック" panose="020B0609070205080204" pitchFamily="49" charset="-128"/>
               </a:rPr>
-              <a:t>/Promise</a:t>
+              <a:t>Deferred/Promise</a:t>
             </a:r>
             <a:r>
               <a:rPr kumimoji="1" lang="ja-JP" altLang="en-US" dirty="0">
@@ -9088,7 +9353,7 @@
                 <a:latin typeface="ＭＳ ゴシック" panose="020B0609070205080204" pitchFamily="49" charset="-128"/>
                 <a:ea typeface="ＭＳ ゴシック" panose="020B0609070205080204" pitchFamily="49" charset="-128"/>
               </a:rPr>
-              <a:t>　理由：非同期処理は暇な時やってパターンなので</a:t>
+              <a:t>　理由：非同期処理は暇な時やってパターン（後でする）なので</a:t>
             </a:r>
             <a:endParaRPr kumimoji="1" lang="en-US" altLang="ja-JP" dirty="0">
               <a:solidFill>
@@ -10745,7 +11010,12 @@
             <p:ph type="title"/>
           </p:nvPr>
         </p:nvSpPr>
-        <p:spPr/>
+        <p:spPr>
+          <a:xfrm>
+            <a:off x="913775" y="86507"/>
+            <a:ext cx="10364451" cy="1596177"/>
+          </a:xfrm>
+        </p:spPr>
         <p:txBody>
           <a:bodyPr/>
           <a:lstStyle/>
@@ -10772,8 +11042,8 @@
         </p:nvSpPr>
         <p:spPr>
           <a:xfrm>
-            <a:off x="1248384" y="1866507"/>
-            <a:ext cx="10029841" cy="2776800"/>
+            <a:off x="1248382" y="1112364"/>
+            <a:ext cx="10029841" cy="3299380"/>
           </a:xfrm>
           <a:prstGeom prst="rect">
             <a:avLst/>
@@ -10856,7 +11126,7 @@
                   <a:schemeClr val="tx1"/>
                 </a:solidFill>
               </a:rPr>
-              <a:t>10</a:t>
+              <a:t>5</a:t>
             </a:r>
             <a:r>
               <a:rPr kumimoji="1" lang="ja-JP" altLang="en-US" sz="1200" dirty="0">
@@ -10872,7 +11142,7 @@
                   <a:schemeClr val="tx1"/>
                 </a:solidFill>
               </a:rPr>
-              <a:t>【10</a:t>
+              <a:t>【5</a:t>
             </a:r>
             <a:r>
               <a:rPr kumimoji="1" lang="ja-JP" altLang="en-US" sz="1200" dirty="0">
@@ -10925,9 +11195,8 @@
                 <a:solidFill>
                   <a:schemeClr val="tx1"/>
                 </a:solidFill>
-                <a:hlinkClick r:id="rId2"/>
-              </a:rPr>
-              <a:t>http://xxxx/test</a:t>
+              </a:rPr>
+              <a:t>【http://jenkins.cs-fact.com/demo/test01/】</a:t>
             </a:r>
             <a:r>
               <a:rPr kumimoji="1" lang="ja-JP" altLang="en-US" sz="1200" dirty="0">
@@ -10937,6 +11206,16 @@
               </a:rPr>
               <a:t>にアクセスして</a:t>
             </a:r>
+            <a:r>
+              <a:rPr kumimoji="1" lang="en-US" altLang="ja-JP" sz="1200" dirty="0">
+                <a:solidFill>
+                  <a:schemeClr val="tx1"/>
+                </a:solidFill>
+              </a:rPr>
+              <a:t>(JENKINS.CS-FACT.COM)</a:t>
+            </a:r>
+          </a:p>
+          <a:p>
             <a:endParaRPr kumimoji="1" lang="en-US" altLang="ja-JP" sz="1200" dirty="0">
               <a:solidFill>
                 <a:schemeClr val="tx1"/>
@@ -10984,7 +11263,7 @@
                   <a:schemeClr val="tx1"/>
                 </a:solidFill>
               </a:rPr>
-              <a:t>　　　失敗したら、</a:t>
+              <a:t>　　　エラーだったら、</a:t>
             </a:r>
             <a:r>
               <a:rPr kumimoji="1" lang="en-US" altLang="ja-JP" sz="1200" dirty="0">
@@ -11084,18 +11363,24 @@
                 <a:solidFill>
                   <a:schemeClr val="tx1"/>
                 </a:solidFill>
-                <a:hlinkClick r:id="rId2"/>
-              </a:rPr>
-              <a:t>　　　</a:t>
+              </a:rPr>
+              <a:t>３－２：　２でしっぱいしたらその後３秒まって画面に</a:t>
             </a:r>
             <a:r>
               <a:rPr kumimoji="1" lang="en-US" altLang="ja-JP" sz="1200" dirty="0">
                 <a:solidFill>
                   <a:schemeClr val="tx1"/>
                 </a:solidFill>
-                <a:hlinkClick r:id="rId2"/>
-              </a:rPr>
-              <a:t>http://xxxx/test</a:t>
+              </a:rPr>
+              <a:t>【</a:t>
+            </a:r>
+            <a:r>
+              <a:rPr kumimoji="1" lang="ja-JP" altLang="en-US" sz="1200" dirty="0">
+                <a:solidFill>
+                  <a:schemeClr val="tx1"/>
+                </a:solidFill>
+              </a:rPr>
+              <a:t>失敗したけど</a:t>
             </a:r>
             <a:r>
               <a:rPr kumimoji="1" lang="en-US" altLang="ja-JP" sz="1200" dirty="0">
@@ -11103,7 +11388,7 @@
                   <a:schemeClr val="tx1"/>
                 </a:solidFill>
               </a:rPr>
-              <a:t>2</a:t>
+              <a:t>3</a:t>
             </a:r>
             <a:r>
               <a:rPr kumimoji="1" lang="ja-JP" altLang="en-US" sz="1200" dirty="0">
@@ -11111,7 +11396,23 @@
                   <a:schemeClr val="tx1"/>
                 </a:solidFill>
               </a:rPr>
-              <a:t>にアクセスして</a:t>
+              <a:t>秒たったので通信します！</a:t>
+            </a:r>
+            <a:r>
+              <a:rPr kumimoji="1" lang="en-US" altLang="ja-JP" sz="1200" dirty="0">
+                <a:solidFill>
+                  <a:schemeClr val="tx1"/>
+                </a:solidFill>
+              </a:rPr>
+              <a:t>】</a:t>
+            </a:r>
+            <a:r>
+              <a:rPr kumimoji="1" lang="ja-JP" altLang="en-US" sz="1200" dirty="0">
+                <a:solidFill>
+                  <a:schemeClr val="tx1"/>
+                </a:solidFill>
+              </a:rPr>
+              <a:t>を表示。</a:t>
             </a:r>
             <a:endParaRPr kumimoji="1" lang="en-US" altLang="ja-JP" sz="1200" dirty="0">
               <a:solidFill>
@@ -11126,73 +11427,7 @@
                   <a:schemeClr val="tx1"/>
                 </a:solidFill>
               </a:rPr>
-              <a:t>　　　成功したら、</a:t>
-            </a:r>
-            <a:r>
-              <a:rPr kumimoji="1" lang="en-US" altLang="ja-JP" sz="1200" dirty="0">
-                <a:solidFill>
-                  <a:schemeClr val="tx1"/>
-                </a:solidFill>
-              </a:rPr>
-              <a:t>【</a:t>
-            </a:r>
-            <a:r>
-              <a:rPr kumimoji="1" lang="ja-JP" altLang="en-US" sz="1200" dirty="0">
-                <a:solidFill>
-                  <a:schemeClr val="tx1"/>
-                </a:solidFill>
-              </a:rPr>
-              <a:t>成功しました２！</a:t>
-            </a:r>
-            <a:r>
-              <a:rPr kumimoji="1" lang="en-US" altLang="ja-JP" sz="1200" dirty="0">
-                <a:solidFill>
-                  <a:schemeClr val="tx1"/>
-                </a:solidFill>
-              </a:rPr>
-              <a:t>】</a:t>
-            </a:r>
-          </a:p>
-          <a:p>
-            <a:r>
-              <a:rPr kumimoji="1" lang="ja-JP" altLang="en-US" sz="1200" dirty="0">
-                <a:solidFill>
-                  <a:schemeClr val="tx1"/>
-                </a:solidFill>
-              </a:rPr>
-              <a:t>　　　失敗したら、</a:t>
-            </a:r>
-            <a:r>
-              <a:rPr kumimoji="1" lang="en-US" altLang="ja-JP" sz="1200" dirty="0">
-                <a:solidFill>
-                  <a:schemeClr val="tx1"/>
-                </a:solidFill>
-              </a:rPr>
-              <a:t>【</a:t>
-            </a:r>
-            <a:r>
-              <a:rPr kumimoji="1" lang="ja-JP" altLang="en-US" sz="1200" dirty="0">
-                <a:solidFill>
-                  <a:schemeClr val="tx1"/>
-                </a:solidFill>
-              </a:rPr>
-              <a:t>なにかが失敗した</a:t>
-            </a:r>
-            <a:r>
-              <a:rPr kumimoji="1" lang="en-US" altLang="ja-JP" sz="1200" dirty="0">
-                <a:solidFill>
-                  <a:schemeClr val="tx1"/>
-                </a:solidFill>
-              </a:rPr>
-              <a:t>】</a:t>
-            </a:r>
-            <a:r>
-              <a:rPr kumimoji="1" lang="ja-JP" altLang="en-US" sz="1200" dirty="0">
-                <a:solidFill>
-                  <a:schemeClr val="tx1"/>
-                </a:solidFill>
-              </a:rPr>
-              <a:t>を表示する。</a:t>
+              <a:t>４：３完了後</a:t>
             </a:r>
             <a:endParaRPr kumimoji="1" lang="en-US" altLang="ja-JP" sz="1200" dirty="0">
               <a:solidFill>
@@ -11201,20 +11436,21 @@
             </a:endParaRPr>
           </a:p>
           <a:p>
-            <a:endParaRPr kumimoji="1" lang="en-US" altLang="ja-JP" sz="1200" dirty="0">
-              <a:solidFill>
-                <a:schemeClr val="tx1"/>
-              </a:solidFill>
-            </a:endParaRPr>
-          </a:p>
-          <a:p>
+            <a:r>
+              <a:rPr kumimoji="1" lang="en-US" altLang="ja-JP" sz="1200" dirty="0">
+                <a:solidFill>
+                  <a:schemeClr val="tx1"/>
+                </a:solidFill>
+              </a:rPr>
+              <a:t>       【http://jenkins.cs-fact.com/demo/test02/】</a:t>
+            </a:r>
             <a:r>
               <a:rPr kumimoji="1" lang="ja-JP" altLang="en-US" sz="1200" dirty="0">
                 <a:solidFill>
                   <a:schemeClr val="tx1"/>
                 </a:solidFill>
               </a:rPr>
-              <a:t>３－２：　２でしっぱいしたらその後３秒まって画面に</a:t>
+              <a:t>にアクセスして</a:t>
             </a:r>
             <a:r>
               <a:rPr kumimoji="1" lang="en-US" altLang="ja-JP" sz="1200" dirty="0">
@@ -11222,6 +11458,24 @@
                   <a:schemeClr val="tx1"/>
                 </a:solidFill>
               </a:rPr>
+              <a:t>(JENKINS.CS-FACT.COM)</a:t>
+            </a:r>
+          </a:p>
+          <a:p>
+            <a:r>
+              <a:rPr kumimoji="1" lang="ja-JP" altLang="en-US" sz="1200" dirty="0">
+                <a:solidFill>
+                  <a:schemeClr val="tx1"/>
+                </a:solidFill>
+              </a:rPr>
+              <a:t>　　　成功したら、</a:t>
+            </a:r>
+            <a:r>
+              <a:rPr kumimoji="1" lang="en-US" altLang="ja-JP" sz="1200" dirty="0">
+                <a:solidFill>
+                  <a:schemeClr val="tx1"/>
+                </a:solidFill>
+              </a:rPr>
               <a:t>【</a:t>
             </a:r>
             <a:r>
@@ -11230,7 +11484,7 @@
                   <a:schemeClr val="tx1"/>
                 </a:solidFill>
               </a:rPr>
-              <a:t>失敗したけど</a:t>
+              <a:t>成功しました２！</a:t>
             </a:r>
             <a:r>
               <a:rPr kumimoji="1" lang="en-US" altLang="ja-JP" sz="1200" dirty="0">
@@ -11238,15 +11492,17 @@
                   <a:schemeClr val="tx1"/>
                 </a:solidFill>
               </a:rPr>
-              <a:t>3</a:t>
-            </a:r>
+              <a:t>】</a:t>
+            </a:r>
+          </a:p>
+          <a:p>
             <a:r>
               <a:rPr kumimoji="1" lang="ja-JP" altLang="en-US" sz="1200" dirty="0">
                 <a:solidFill>
                   <a:schemeClr val="tx1"/>
                 </a:solidFill>
               </a:rPr>
-              <a:t>秒たったので通信します！</a:t>
+              <a:t>　　　エラーだったら、</a:t>
             </a:r>
             <a:r>
               <a:rPr kumimoji="1" lang="en-US" altLang="ja-JP" sz="1200" dirty="0">
@@ -11254,6 +11510,22 @@
                   <a:schemeClr val="tx1"/>
                 </a:solidFill>
               </a:rPr>
+              <a:t>【</a:t>
+            </a:r>
+            <a:r>
+              <a:rPr kumimoji="1" lang="ja-JP" altLang="en-US" sz="1200" dirty="0">
+                <a:solidFill>
+                  <a:schemeClr val="tx1"/>
+                </a:solidFill>
+              </a:rPr>
+              <a:t>なにかが失敗した</a:t>
+            </a:r>
+            <a:r>
+              <a:rPr kumimoji="1" lang="en-US" altLang="ja-JP" sz="1200" dirty="0">
+                <a:solidFill>
+                  <a:schemeClr val="tx1"/>
+                </a:solidFill>
+              </a:rPr>
               <a:t>】</a:t>
             </a:r>
             <a:r>
@@ -11262,137 +11534,8 @@
                   <a:schemeClr val="tx1"/>
                 </a:solidFill>
               </a:rPr>
-              <a:t>を表示。</a:t>
-            </a:r>
-            <a:endParaRPr kumimoji="1" lang="en-US" altLang="ja-JP" sz="1200" dirty="0">
-              <a:solidFill>
-                <a:schemeClr val="tx1"/>
-              </a:solidFill>
-            </a:endParaRPr>
-          </a:p>
-          <a:p>
-            <a:r>
-              <a:rPr kumimoji="1" lang="ja-JP" altLang="en-US" sz="1200" dirty="0">
-                <a:solidFill>
-                  <a:schemeClr val="tx1"/>
-                </a:solidFill>
-                <a:hlinkClick r:id="rId2"/>
-              </a:rPr>
-              <a:t>　　　</a:t>
-            </a:r>
-            <a:r>
-              <a:rPr kumimoji="1" lang="en-US" altLang="ja-JP" sz="1200" dirty="0">
-                <a:solidFill>
-                  <a:schemeClr val="tx1"/>
-                </a:solidFill>
-                <a:hlinkClick r:id="rId2"/>
-              </a:rPr>
-              <a:t>http://xxxx/test</a:t>
-            </a:r>
-            <a:r>
-              <a:rPr kumimoji="1" lang="en-US" altLang="ja-JP" sz="1200" dirty="0">
-                <a:solidFill>
-                  <a:schemeClr val="tx1"/>
-                </a:solidFill>
-              </a:rPr>
-              <a:t>2</a:t>
-            </a:r>
-            <a:r>
-              <a:rPr kumimoji="1" lang="ja-JP" altLang="en-US" sz="1200" dirty="0">
-                <a:solidFill>
-                  <a:schemeClr val="tx1"/>
-                </a:solidFill>
-              </a:rPr>
-              <a:t>にアクセスして</a:t>
-            </a:r>
-            <a:endParaRPr kumimoji="1" lang="en-US" altLang="ja-JP" sz="1200" dirty="0">
-              <a:solidFill>
-                <a:schemeClr val="tx1"/>
-              </a:solidFill>
-            </a:endParaRPr>
-          </a:p>
-          <a:p>
-            <a:r>
-              <a:rPr kumimoji="1" lang="ja-JP" altLang="en-US" sz="1200" dirty="0">
-                <a:solidFill>
-                  <a:schemeClr val="tx1"/>
-                </a:solidFill>
-              </a:rPr>
-              <a:t>　　　成功したら、</a:t>
-            </a:r>
-            <a:r>
-              <a:rPr kumimoji="1" lang="en-US" altLang="ja-JP" sz="1200" dirty="0">
-                <a:solidFill>
-                  <a:schemeClr val="tx1"/>
-                </a:solidFill>
-              </a:rPr>
-              <a:t>【</a:t>
-            </a:r>
-            <a:r>
-              <a:rPr kumimoji="1" lang="ja-JP" altLang="en-US" sz="1200" dirty="0">
-                <a:solidFill>
-                  <a:schemeClr val="tx1"/>
-                </a:solidFill>
-              </a:rPr>
-              <a:t>成功しました２！</a:t>
-            </a:r>
-            <a:r>
-              <a:rPr kumimoji="1" lang="en-US" altLang="ja-JP" sz="1200" dirty="0">
-                <a:solidFill>
-                  <a:schemeClr val="tx1"/>
-                </a:solidFill>
-              </a:rPr>
-              <a:t>】</a:t>
-            </a:r>
-          </a:p>
-          <a:p>
-            <a:r>
-              <a:rPr kumimoji="1" lang="ja-JP" altLang="en-US" sz="1200" dirty="0">
-                <a:solidFill>
-                  <a:schemeClr val="tx1"/>
-                </a:solidFill>
-              </a:rPr>
-              <a:t>　　　失敗したら、</a:t>
-            </a:r>
-            <a:r>
-              <a:rPr kumimoji="1" lang="en-US" altLang="ja-JP" sz="1200" dirty="0">
-                <a:solidFill>
-                  <a:schemeClr val="tx1"/>
-                </a:solidFill>
-              </a:rPr>
-              <a:t>【</a:t>
-            </a:r>
-            <a:r>
-              <a:rPr kumimoji="1" lang="ja-JP" altLang="en-US" sz="1200" dirty="0">
-                <a:solidFill>
-                  <a:schemeClr val="tx1"/>
-                </a:solidFill>
-              </a:rPr>
-              <a:t>なにかが失敗した</a:t>
-            </a:r>
-            <a:r>
-              <a:rPr kumimoji="1" lang="en-US" altLang="ja-JP" sz="1200" dirty="0">
-                <a:solidFill>
-                  <a:schemeClr val="tx1"/>
-                </a:solidFill>
-              </a:rPr>
-              <a:t>】</a:t>
-            </a:r>
-            <a:r>
-              <a:rPr kumimoji="1" lang="ja-JP" altLang="en-US" sz="1200" dirty="0">
-                <a:solidFill>
-                  <a:schemeClr val="tx1"/>
-                </a:solidFill>
-              </a:rPr>
               <a:t>を表示する。</a:t>
             </a:r>
-            <a:endParaRPr kumimoji="1" lang="en-US" altLang="ja-JP" sz="1200" dirty="0">
-              <a:solidFill>
-                <a:schemeClr val="tx1"/>
-              </a:solidFill>
-            </a:endParaRPr>
-          </a:p>
-          <a:p>
             <a:endParaRPr kumimoji="1" lang="en-US" altLang="ja-JP" sz="1200" dirty="0">
               <a:solidFill>
                 <a:schemeClr val="tx1"/>
@@ -11422,7 +11565,7 @@
         </p:nvSpPr>
         <p:spPr>
           <a:xfrm>
-            <a:off x="1248383" y="4703673"/>
+            <a:off x="1248382" y="4411744"/>
             <a:ext cx="10029841" cy="471643"/>
           </a:xfrm>
           <a:prstGeom prst="rect">
@@ -11459,7 +11602,23 @@
                   <a:schemeClr val="tx1"/>
                 </a:solidFill>
               </a:rPr>
-              <a:t>トータルで約１３秒かけて以下が表示されたら成功です。</a:t>
+              <a:t>トータルで</a:t>
+            </a:r>
+            <a:r>
+              <a:rPr kumimoji="1" lang="ja-JP" altLang="en-US" sz="1200" b="1" dirty="0">
+                <a:solidFill>
+                  <a:srgbClr val="FF0000"/>
+                </a:solidFill>
+              </a:rPr>
+              <a:t>約８秒</a:t>
+            </a:r>
+            <a:r>
+              <a:rPr kumimoji="1" lang="ja-JP" altLang="en-US" sz="1200" b="1" dirty="0">
+                <a:solidFill>
+                  <a:schemeClr val="tx1"/>
+                </a:solidFill>
+              </a:rPr>
+              <a:t>かけて以下が表示されたら成功です。</a:t>
             </a:r>
             <a:endParaRPr kumimoji="1" lang="en-US" altLang="ja-JP" sz="1200" b="1" dirty="0">
               <a:solidFill>
@@ -11483,7 +11642,7 @@
         </p:nvSpPr>
         <p:spPr>
           <a:xfrm>
-            <a:off x="1248383" y="5076033"/>
+            <a:off x="1248382" y="4858912"/>
             <a:ext cx="10029841" cy="943587"/>
           </a:xfrm>
           <a:prstGeom prst="rect">
@@ -11525,7 +11684,7 @@
                   <a:schemeClr val="tx1"/>
                 </a:solidFill>
               </a:rPr>
-              <a:t>10</a:t>
+              <a:t>5</a:t>
             </a:r>
             <a:r>
               <a:rPr kumimoji="1" lang="ja-JP" altLang="en-US" sz="1200" b="1" dirty="0">
@@ -11588,6 +11747,140 @@
               </a:rPr>
               <a:t>なにかが失敗した</a:t>
             </a:r>
+            <a:endParaRPr kumimoji="1" lang="en-US" altLang="ja-JP" sz="1200" b="1" dirty="0">
+              <a:solidFill>
+                <a:schemeClr val="tx1"/>
+              </a:solidFill>
+            </a:endParaRPr>
+          </a:p>
+        </p:txBody>
+      </p:sp>
+      <p:sp>
+        <p:nvSpPr>
+          <p:cNvPr id="7" name="正方形/長方形 6">
+            <a:extLst>
+              <a:ext uri="{FF2B5EF4-FFF2-40B4-BE49-F238E27FC236}">
+                <a16:creationId xmlns:a16="http://schemas.microsoft.com/office/drawing/2014/main" id="{DC4C1F9F-25CF-4D19-9C10-FD3769668DDC}"/>
+              </a:ext>
+            </a:extLst>
+          </p:cNvPr>
+          <p:cNvSpPr/>
+          <p:nvPr/>
+        </p:nvSpPr>
+        <p:spPr>
+          <a:xfrm>
+            <a:off x="1248382" y="5914415"/>
+            <a:ext cx="10029841" cy="943586"/>
+          </a:xfrm>
+          <a:prstGeom prst="rect">
+            <a:avLst/>
+          </a:prstGeom>
+          <a:solidFill>
+            <a:schemeClr val="accent5">
+              <a:lumMod val="40000"/>
+              <a:lumOff val="60000"/>
+            </a:schemeClr>
+          </a:solidFill>
+          <a:ln>
+            <a:noFill/>
+          </a:ln>
+        </p:spPr>
+        <p:style>
+          <a:lnRef idx="2">
+            <a:schemeClr val="accent1">
+              <a:shade val="50000"/>
+            </a:schemeClr>
+          </a:lnRef>
+          <a:fillRef idx="1">
+            <a:schemeClr val="accent1"/>
+          </a:fillRef>
+          <a:effectRef idx="0">
+            <a:schemeClr val="accent1"/>
+          </a:effectRef>
+          <a:fontRef idx="minor">
+            <a:schemeClr val="lt1"/>
+          </a:fontRef>
+        </p:style>
+        <p:txBody>
+          <a:bodyPr rtlCol="0" anchor="ctr"/>
+          <a:lstStyle/>
+          <a:p>
+            <a:r>
+              <a:rPr kumimoji="1" lang="ja-JP" altLang="en-US" sz="1200" b="1" dirty="0">
+                <a:solidFill>
+                  <a:schemeClr val="tx1"/>
+                </a:solidFill>
+              </a:rPr>
+              <a:t>雛形ファイル</a:t>
+            </a:r>
+            <a:r>
+              <a:rPr kumimoji="1" lang="en-US" altLang="ja-JP" sz="1200" b="1" dirty="0">
+                <a:solidFill>
+                  <a:schemeClr val="tx1"/>
+                </a:solidFill>
+              </a:rPr>
+              <a:t>URL:</a:t>
+            </a:r>
+          </a:p>
+          <a:p>
+            <a:r>
+              <a:rPr kumimoji="1" lang="en-US" altLang="ja-JP" sz="1200" b="1" dirty="0">
+                <a:solidFill>
+                  <a:schemeClr val="tx1"/>
+                </a:solidFill>
+              </a:rPr>
+              <a:t>git clone https://github.com/hideki-uemura/jsasync_question.git</a:t>
+            </a:r>
+          </a:p>
+          <a:p>
+            <a:endParaRPr kumimoji="1" lang="en-US" altLang="ja-JP" sz="1200" b="1" dirty="0">
+              <a:solidFill>
+                <a:schemeClr val="tx1"/>
+              </a:solidFill>
+            </a:endParaRPr>
+          </a:p>
+          <a:p>
+            <a:r>
+              <a:rPr kumimoji="1" lang="ja-JP" altLang="en-US" sz="1200" b="1" dirty="0">
+                <a:solidFill>
+                  <a:schemeClr val="tx1"/>
+                </a:solidFill>
+              </a:rPr>
+              <a:t>実装結果</a:t>
+            </a:r>
+            <a:r>
+              <a:rPr kumimoji="1" lang="en-US" altLang="ja-JP" sz="1200" b="1" dirty="0">
+                <a:solidFill>
+                  <a:schemeClr val="tx1"/>
+                </a:solidFill>
+              </a:rPr>
+              <a:t>URL</a:t>
+            </a:r>
+            <a:r>
+              <a:rPr kumimoji="1" lang="ja-JP" altLang="en-US" sz="1200" b="1" dirty="0">
+                <a:solidFill>
+                  <a:schemeClr val="tx1"/>
+                </a:solidFill>
+              </a:rPr>
+              <a:t>：</a:t>
+            </a:r>
+            <a:endParaRPr kumimoji="1" lang="en-US" altLang="ja-JP" sz="1200" b="1" dirty="0">
+              <a:solidFill>
+                <a:schemeClr val="tx1"/>
+              </a:solidFill>
+            </a:endParaRPr>
+          </a:p>
+          <a:p>
+            <a:r>
+              <a:rPr kumimoji="1" lang="en-US" altLang="ja-JP" sz="1200" b="1" dirty="0">
+                <a:solidFill>
+                  <a:schemeClr val="tx1"/>
+                </a:solidFill>
+              </a:rPr>
+              <a:t>git clone https://github.com/hideki-uemura/jsasync.git</a:t>
+            </a:r>
+          </a:p>
+          <a:p>
             <a:endParaRPr kumimoji="1" lang="en-US" altLang="ja-JP" sz="1200" b="1" dirty="0">
               <a:solidFill>
                 <a:schemeClr val="tx1"/>
@@ -12856,29 +13149,7 @@
                   </a:schemeClr>
                 </a:solidFill>
               </a:rPr>
-              <a:t>function yobisakiB1(</a:t>
-            </a:r>
-            <a:r>
-              <a:rPr kumimoji="1" lang="en-US" altLang="ja-JP" sz="1200" dirty="0" err="1">
-                <a:solidFill>
-                  <a:schemeClr val="tx1">
-                    <a:lumMod val="85000"/>
-                    <a:lumOff val="15000"/>
-                  </a:schemeClr>
-                </a:solidFill>
-              </a:rPr>
-              <a:t>taikiJikan</a:t>
-            </a:r>
-            <a:r>
-              <a:rPr kumimoji="1" lang="en-US" altLang="ja-JP" sz="1200" dirty="0">
-                <a:solidFill>
-                  <a:schemeClr val="tx1">
-                    <a:lumMod val="85000"/>
-                    <a:lumOff val="15000"/>
-                  </a:schemeClr>
-                </a:solidFill>
-              </a:rPr>
-              <a:t>):Promise{</a:t>
+              <a:t>function yobisakiB1(taikiJikan):Promise{</a:t>
             </a:r>
           </a:p>
           <a:p>
@@ -13229,29 +13500,7 @@
                   </a:schemeClr>
                 </a:solidFill>
               </a:rPr>
-              <a:t>           , </a:t>
-            </a:r>
-            <a:r>
-              <a:rPr kumimoji="1" lang="en-US" altLang="ja-JP" sz="1200" dirty="0" err="1">
-                <a:solidFill>
-                  <a:schemeClr val="tx1">
-                    <a:lumMod val="85000"/>
-                    <a:lumOff val="15000"/>
-                  </a:schemeClr>
-                </a:solidFill>
-              </a:rPr>
-              <a:t>taikiJikan</a:t>
-            </a:r>
-            <a:r>
-              <a:rPr kumimoji="1" lang="en-US" altLang="ja-JP" sz="1200" dirty="0">
-                <a:solidFill>
-                  <a:schemeClr val="tx1">
-                    <a:lumMod val="85000"/>
-                    <a:lumOff val="15000"/>
-                  </a:schemeClr>
-                </a:solidFill>
-              </a:rPr>
-              <a:t>)</a:t>
+              <a:t>           , taikiJikan)</a:t>
             </a:r>
           </a:p>
           <a:p>
@@ -13666,8 +13915,8 @@
         </p:nvSpPr>
         <p:spPr>
           <a:xfrm>
-            <a:off x="5165889" y="4974993"/>
-            <a:ext cx="6438507" cy="1746317"/>
+            <a:off x="5165889" y="4870515"/>
+            <a:ext cx="6438507" cy="1850796"/>
           </a:xfrm>
           <a:prstGeom prst="rect">
             <a:avLst/>
@@ -13694,90 +13943,156 @@
           <a:lstStyle/>
           <a:p>
             <a:r>
-              <a:rPr kumimoji="1" lang="ja-JP" altLang="en-US" dirty="0"/>
+              <a:rPr kumimoji="1" lang="ja-JP" altLang="en-US" sz="1200" dirty="0"/>
               <a:t>１：ポイントは呼び出し先（</a:t>
             </a:r>
             <a:r>
-              <a:rPr kumimoji="1" lang="en-US" altLang="ja-JP" dirty="0"/>
+              <a:rPr kumimoji="1" lang="en-US" altLang="ja-JP" sz="1200" dirty="0"/>
               <a:t>B</a:t>
             </a:r>
             <a:r>
-              <a:rPr kumimoji="1" lang="ja-JP" altLang="en-US" dirty="0"/>
-              <a:t>）は常に先に</a:t>
-            </a:r>
-            <a:r>
-              <a:rPr kumimoji="1" lang="en-US" altLang="ja-JP" dirty="0"/>
+              <a:rPr kumimoji="1" lang="ja-JP" altLang="en-US" sz="1200" dirty="0"/>
+              <a:t>）は</a:t>
+            </a:r>
+            <a:r>
+              <a:rPr kumimoji="1" lang="ja-JP" altLang="en-US" sz="1200" b="1" dirty="0">
+                <a:solidFill>
+                  <a:srgbClr val="FF0000"/>
+                </a:solidFill>
+              </a:rPr>
+              <a:t>常に先に</a:t>
+            </a:r>
+            <a:r>
+              <a:rPr kumimoji="1" lang="en-US" altLang="ja-JP" sz="1200" b="1" dirty="0">
+                <a:solidFill>
+                  <a:srgbClr val="FF0000"/>
+                </a:solidFill>
+              </a:rPr>
               <a:t>Promise</a:t>
             </a:r>
             <a:r>
-              <a:rPr kumimoji="1" lang="ja-JP" altLang="en-US" dirty="0"/>
+              <a:rPr kumimoji="1" lang="ja-JP" altLang="en-US" sz="1200" dirty="0"/>
               <a:t>を返す。</a:t>
             </a:r>
-            <a:endParaRPr kumimoji="1" lang="en-US" altLang="ja-JP" dirty="0"/>
-          </a:p>
-          <a:p>
-            <a:endParaRPr kumimoji="1" lang="en-US" altLang="ja-JP" dirty="0"/>
-          </a:p>
-          <a:p>
-            <a:r>
-              <a:rPr kumimoji="1" lang="ja-JP" altLang="en-US" dirty="0"/>
+            <a:endParaRPr kumimoji="1" lang="en-US" altLang="ja-JP" sz="1200" dirty="0"/>
+          </a:p>
+          <a:p>
+            <a:endParaRPr kumimoji="1" lang="en-US" altLang="ja-JP" sz="1200" dirty="0"/>
+          </a:p>
+          <a:p>
+            <a:r>
+              <a:rPr kumimoji="1" lang="ja-JP" altLang="en-US" sz="1200" dirty="0"/>
               <a:t>２：</a:t>
             </a:r>
             <a:r>
-              <a:rPr kumimoji="1" lang="en-US" altLang="ja-JP" dirty="0"/>
+              <a:rPr kumimoji="1" lang="en-US" altLang="ja-JP" sz="1200" b="1" dirty="0">
+                <a:solidFill>
+                  <a:srgbClr val="FF0000"/>
+                </a:solidFill>
+              </a:rPr>
+              <a:t>resolve</a:t>
+            </a:r>
+            <a:r>
+              <a:rPr kumimoji="1" lang="ja-JP" altLang="en-US" sz="1200" b="1" dirty="0">
+                <a:solidFill>
+                  <a:srgbClr val="FF0000"/>
+                </a:solidFill>
+              </a:rPr>
+              <a:t>関数</a:t>
+            </a:r>
+            <a:r>
+              <a:rPr kumimoji="1" lang="ja-JP" altLang="en-US" sz="1200" dirty="0"/>
+              <a:t>または</a:t>
+            </a:r>
+            <a:r>
+              <a:rPr kumimoji="1" lang="en-US" altLang="ja-JP" sz="1200" b="1" dirty="0">
+                <a:solidFill>
+                  <a:srgbClr val="FF0000"/>
+                </a:solidFill>
+              </a:rPr>
+              <a:t>reject</a:t>
+            </a:r>
+            <a:r>
+              <a:rPr kumimoji="1" lang="ja-JP" altLang="en-US" sz="1200" b="1" dirty="0">
+                <a:solidFill>
+                  <a:srgbClr val="FF0000"/>
+                </a:solidFill>
+              </a:rPr>
+              <a:t>関数</a:t>
+            </a:r>
+            <a:r>
+              <a:rPr kumimoji="1" lang="ja-JP" altLang="en-US" sz="1200" dirty="0"/>
+              <a:t>は非同期関数内で非同期処理が完了したときにコールすることにより、</a:t>
+            </a:r>
+            <a:r>
+              <a:rPr kumimoji="1" lang="en-US" altLang="ja-JP" sz="1200" dirty="0"/>
               <a:t>Promise</a:t>
             </a:r>
             <a:r>
-              <a:rPr kumimoji="1" lang="ja-JP" altLang="en-US" dirty="0"/>
-              <a:t>のステータスが変わる</a:t>
-            </a:r>
-            <a:r>
-              <a:rPr kumimoji="1" lang="en-US" altLang="ja-JP" dirty="0"/>
+              <a:rPr kumimoji="1" lang="ja-JP" altLang="en-US" sz="1200" dirty="0"/>
+              <a:t>内のステータスがそれぞれ、完了</a:t>
+            </a:r>
+            <a:r>
+              <a:rPr kumimoji="1" lang="en-US" altLang="ja-JP" sz="1200" dirty="0"/>
+              <a:t>(1),</a:t>
+            </a:r>
+            <a:r>
+              <a:rPr kumimoji="1" lang="ja-JP" altLang="en-US" sz="1200" dirty="0"/>
+              <a:t>エラー</a:t>
+            </a:r>
+            <a:r>
+              <a:rPr kumimoji="1" lang="en-US" altLang="ja-JP" sz="1200" dirty="0"/>
+              <a:t>(2)</a:t>
+            </a:r>
+            <a:r>
+              <a:rPr kumimoji="1" lang="ja-JP" altLang="en-US" sz="1200" dirty="0"/>
+              <a:t>のいずれかに変わる</a:t>
+            </a:r>
+            <a:endParaRPr kumimoji="1" lang="en-US" altLang="ja-JP" sz="1200" dirty="0"/>
+          </a:p>
+          <a:p>
+            <a:endParaRPr kumimoji="1" lang="en-US" altLang="ja-JP" sz="1200" dirty="0"/>
+          </a:p>
+          <a:p>
+            <a:r>
+              <a:rPr kumimoji="1" lang="ja-JP" altLang="en-US" sz="1200" dirty="0"/>
+              <a:t>３：戻り値は</a:t>
+            </a:r>
+            <a:r>
+              <a:rPr kumimoji="1" lang="en-US" altLang="ja-JP" sz="1200" dirty="0"/>
               <a:t>resolve</a:t>
             </a:r>
             <a:r>
-              <a:rPr kumimoji="1" lang="ja-JP" altLang="en-US" dirty="0"/>
-              <a:t>関数または</a:t>
-            </a:r>
-            <a:r>
-              <a:rPr kumimoji="1" lang="en-US" altLang="ja-JP" dirty="0"/>
+              <a:rPr kumimoji="1" lang="ja-JP" altLang="en-US" sz="1200" dirty="0"/>
+              <a:t>または</a:t>
+            </a:r>
+            <a:r>
+              <a:rPr kumimoji="1" lang="en-US" altLang="ja-JP" sz="1200" dirty="0"/>
               <a:t>reject</a:t>
             </a:r>
             <a:r>
-              <a:rPr kumimoji="1" lang="ja-JP" altLang="en-US" dirty="0"/>
-              <a:t>関数は非同期関数内で非同期処理が完了したときにコールする。</a:t>
-            </a:r>
-            <a:endParaRPr kumimoji="1" lang="en-US" altLang="ja-JP" dirty="0"/>
-          </a:p>
-          <a:p>
-            <a:endParaRPr kumimoji="1" lang="en-US" altLang="ja-JP" dirty="0"/>
-          </a:p>
-          <a:p>
-            <a:r>
-              <a:rPr kumimoji="1" lang="en-US" altLang="ja-JP" dirty="0"/>
-              <a:t>※</a:t>
-            </a:r>
-            <a:r>
-              <a:rPr kumimoji="1" lang="ja-JP" altLang="en-US" dirty="0"/>
-              <a:t>戻り値は</a:t>
-            </a:r>
-            <a:r>
-              <a:rPr kumimoji="1" lang="en-US" altLang="ja-JP" dirty="0"/>
-              <a:t>resolve</a:t>
-            </a:r>
-            <a:r>
-              <a:rPr kumimoji="1" lang="ja-JP" altLang="en-US" dirty="0"/>
-              <a:t>または</a:t>
-            </a:r>
-            <a:r>
-              <a:rPr kumimoji="1" lang="en-US" altLang="ja-JP" dirty="0"/>
-              <a:t>reject</a:t>
-            </a:r>
-            <a:r>
-              <a:rPr kumimoji="1" lang="ja-JP" altLang="en-US" dirty="0"/>
-              <a:t>の引数に指定を！</a:t>
-            </a:r>
-            <a:endParaRPr kumimoji="1" lang="en-US" altLang="ja-JP" dirty="0"/>
+              <a:rPr kumimoji="1" lang="ja-JP" altLang="en-US" sz="1200" dirty="0"/>
+              <a:t>の引数に指定する。</a:t>
+            </a:r>
+            <a:endParaRPr kumimoji="1" lang="en-US" altLang="ja-JP" sz="1200" dirty="0"/>
+          </a:p>
+          <a:p>
+            <a:endParaRPr kumimoji="1" lang="en-US" altLang="ja-JP" sz="1200" dirty="0"/>
+          </a:p>
+          <a:p>
+            <a:r>
+              <a:rPr kumimoji="1" lang="ja-JP" altLang="en-US" sz="1200" dirty="0"/>
+              <a:t>４：戻り値の受け取りは呼び出し元の次の</a:t>
+            </a:r>
+            <a:r>
+              <a:rPr kumimoji="1" lang="en-US" altLang="ja-JP" sz="1200" dirty="0"/>
+              <a:t>then</a:t>
+            </a:r>
+            <a:r>
+              <a:rPr kumimoji="1" lang="ja-JP" altLang="en-US" sz="1200" dirty="0"/>
+              <a:t>内の関数の引数に入ってくる。</a:t>
+            </a:r>
+            <a:endParaRPr kumimoji="1" lang="en-US" altLang="ja-JP" sz="1200" dirty="0"/>
           </a:p>
         </p:txBody>
       </p:sp>
@@ -14658,7 +14973,27 @@
                 <a:latin typeface="ＭＳ ゴシック" panose="020B0609070205080204" pitchFamily="49" charset="-128"/>
                 <a:ea typeface="ＭＳ ゴシック" panose="020B0609070205080204" pitchFamily="49" charset="-128"/>
               </a:rPr>
-              <a:t>はコールバックのネストを軽減する為のマルチスレッドプログラミングでつかうデザインパターンで</a:t>
+              <a:t>によるコールバックネストの軽減はされたが</a:t>
+            </a:r>
+            <a:r>
+              <a:rPr kumimoji="1" lang="en-US" altLang="ja-JP" sz="1200" b="1" dirty="0">
+                <a:solidFill>
+                  <a:schemeClr val="tx1"/>
+                </a:solidFill>
+                <a:latin typeface="ＭＳ ゴシック" panose="020B0609070205080204" pitchFamily="49" charset="-128"/>
+                <a:ea typeface="ＭＳ ゴシック" panose="020B0609070205080204" pitchFamily="49" charset="-128"/>
+              </a:rPr>
+              <a:t>Promise</a:t>
+            </a:r>
+            <a:r>
+              <a:rPr kumimoji="1" lang="ja-JP" altLang="en-US" sz="1200" b="1" dirty="0">
+                <a:solidFill>
+                  <a:schemeClr val="tx1"/>
+                </a:solidFill>
+                <a:latin typeface="ＭＳ ゴシック" panose="020B0609070205080204" pitchFamily="49" charset="-128"/>
+                <a:ea typeface="ＭＳ ゴシック" panose="020B0609070205080204" pitchFamily="49" charset="-128"/>
+              </a:rPr>
+              <a:t>自体の複雑さを更に軽減した</a:t>
             </a:r>
             <a:endParaRPr kumimoji="1" lang="en-US" altLang="ja-JP" sz="1200" b="1" dirty="0">
               <a:solidFill>
@@ -14670,6 +15005,16 @@
           </a:p>
           <a:p>
             <a:r>
+              <a:rPr kumimoji="1" lang="en-US" altLang="ja-JP" sz="1200" b="1" dirty="0">
+                <a:solidFill>
+                  <a:schemeClr val="tx1"/>
+                </a:solidFill>
+                <a:latin typeface="ＭＳ ゴシック" panose="020B0609070205080204" pitchFamily="49" charset="-128"/>
+                <a:ea typeface="ＭＳ ゴシック" panose="020B0609070205080204" pitchFamily="49" charset="-128"/>
+              </a:rPr>
+              <a:t>Ecma2017</a:t>
+            </a:r>
+            <a:r>
               <a:rPr kumimoji="1" lang="ja-JP" altLang="en-US" sz="1200" b="1" dirty="0">
                 <a:solidFill>
                   <a:schemeClr val="tx1"/>
@@ -14677,7 +15022,7 @@
                 <a:latin typeface="ＭＳ ゴシック" panose="020B0609070205080204" pitchFamily="49" charset="-128"/>
                 <a:ea typeface="ＭＳ ゴシック" panose="020B0609070205080204" pitchFamily="49" charset="-128"/>
               </a:rPr>
-              <a:t>特別なことをするわけでなくあくまでコールバックをフラットに記述するためのコーディング技術です。</a:t>
+              <a:t>の新規言語仕様です。</a:t>
             </a:r>
             <a:endParaRPr kumimoji="1" lang="en-US" altLang="ja-JP" sz="1200" b="1" dirty="0">
               <a:solidFill>
@@ -14688,54 +15033,25 @@
             </a:endParaRPr>
           </a:p>
           <a:p>
-            <a:endParaRPr kumimoji="1" lang="en-US" altLang="ja-JP" sz="1200" b="1" dirty="0">
-              <a:solidFill>
-                <a:schemeClr val="tx1"/>
-              </a:solidFill>
-              <a:latin typeface="ＭＳ ゴシック" panose="020B0609070205080204" pitchFamily="49" charset="-128"/>
-              <a:ea typeface="ＭＳ ゴシック" panose="020B0609070205080204" pitchFamily="49" charset="-128"/>
-            </a:endParaRPr>
-          </a:p>
-          <a:p>
-            <a:r>
-              <a:rPr kumimoji="1" lang="en-US" altLang="ja-JP" sz="1200" dirty="0">
-                <a:solidFill>
-                  <a:schemeClr val="tx1"/>
-                </a:solidFill>
-                <a:latin typeface="ＭＳ ゴシック" panose="020B0609070205080204" pitchFamily="49" charset="-128"/>
-                <a:ea typeface="ＭＳ ゴシック" panose="020B0609070205080204" pitchFamily="49" charset="-128"/>
-              </a:rPr>
-              <a:t>Promise</a:t>
-            </a:r>
-            <a:r>
-              <a:rPr kumimoji="1" lang="ja-JP" altLang="en-US" sz="1200" dirty="0">
-                <a:solidFill>
-                  <a:schemeClr val="tx1"/>
-                </a:solidFill>
-                <a:latin typeface="ＭＳ ゴシック" panose="020B0609070205080204" pitchFamily="49" charset="-128"/>
-                <a:ea typeface="ＭＳ ゴシック" panose="020B0609070205080204" pitchFamily="49" charset="-128"/>
-              </a:rPr>
-              <a:t>は内部に</a:t>
+            <a:r>
+              <a:rPr kumimoji="1" lang="en-US" altLang="ja-JP" sz="1200" b="1" dirty="0">
+                <a:solidFill>
+                  <a:schemeClr val="tx1"/>
+                </a:solidFill>
+                <a:latin typeface="ＭＳ ゴシック" panose="020B0609070205080204" pitchFamily="49" charset="-128"/>
+                <a:ea typeface="ＭＳ ゴシック" panose="020B0609070205080204" pitchFamily="49" charset="-128"/>
+              </a:rPr>
+              <a:t>C#</a:t>
             </a:r>
             <a:r>
               <a:rPr kumimoji="1" lang="ja-JP" altLang="en-US" sz="1200" b="1" dirty="0">
                 <a:solidFill>
-                  <a:srgbClr val="FF0000"/>
-                </a:solidFill>
-                <a:latin typeface="ＭＳ ゴシック" panose="020B0609070205080204" pitchFamily="49" charset="-128"/>
-                <a:ea typeface="ＭＳ ゴシック" panose="020B0609070205080204" pitchFamily="49" charset="-128"/>
-              </a:rPr>
-              <a:t>ステータスだけを持ってる単純なオブジェクト</a:t>
-            </a:r>
-            <a:r>
-              <a:rPr kumimoji="1" lang="ja-JP" altLang="en-US" sz="1200" dirty="0">
-                <a:solidFill>
-                  <a:schemeClr val="tx1"/>
-                </a:solidFill>
-                <a:latin typeface="ＭＳ ゴシック" panose="020B0609070205080204" pitchFamily="49" charset="-128"/>
-                <a:ea typeface="ＭＳ ゴシック" panose="020B0609070205080204" pitchFamily="49" charset="-128"/>
-              </a:rPr>
-              <a:t>と思ってください。</a:t>
+                  <a:schemeClr val="tx1"/>
+                </a:solidFill>
+                <a:latin typeface="ＭＳ ゴシック" panose="020B0609070205080204" pitchFamily="49" charset="-128"/>
+                <a:ea typeface="ＭＳ ゴシック" panose="020B0609070205080204" pitchFamily="49" charset="-128"/>
+              </a:rPr>
+              <a:t>なんかの影響を受けたと思われる仕様。</a:t>
             </a:r>
             <a:endParaRPr kumimoji="1" lang="en-US" altLang="ja-JP" sz="1200" b="1" dirty="0">
               <a:solidFill>
@@ -14845,8 +15161,8 @@
         </p:nvSpPr>
         <p:spPr>
           <a:xfrm>
-            <a:off x="1487619" y="2819867"/>
-            <a:ext cx="10029841" cy="1921815"/>
+            <a:off x="1487617" y="2393005"/>
+            <a:ext cx="10029841" cy="2348678"/>
           </a:xfrm>
           <a:prstGeom prst="rect">
             <a:avLst/>
@@ -14886,249 +15202,121 @@
                 <a:solidFill>
                   <a:schemeClr val="tx1"/>
                 </a:solidFill>
-                <a:latin typeface="ＭＳ ゴシック" panose="020B0609070205080204" pitchFamily="49" charset="-128"/>
-                <a:ea typeface="ＭＳ ゴシック" panose="020B0609070205080204" pitchFamily="49" charset="-128"/>
-              </a:rPr>
-              <a:t>１：</a:t>
-            </a:r>
-            <a:r>
-              <a:rPr kumimoji="1" lang="en-US" altLang="ja-JP" sz="1200" dirty="0">
-                <a:solidFill>
-                  <a:schemeClr val="tx1"/>
-                </a:solidFill>
-                <a:latin typeface="ＭＳ ゴシック" panose="020B0609070205080204" pitchFamily="49" charset="-128"/>
-                <a:ea typeface="ＭＳ ゴシック" panose="020B0609070205080204" pitchFamily="49" charset="-128"/>
-              </a:rPr>
-              <a:t>Promise</a:t>
-            </a:r>
-            <a:r>
-              <a:rPr kumimoji="1" lang="ja-JP" altLang="en-US" sz="1200" dirty="0">
-                <a:solidFill>
-                  <a:schemeClr val="tx1"/>
-                </a:solidFill>
-                <a:latin typeface="ＭＳ ゴシック" panose="020B0609070205080204" pitchFamily="49" charset="-128"/>
-                <a:ea typeface="ＭＳ ゴシック" panose="020B0609070205080204" pitchFamily="49" charset="-128"/>
-              </a:rPr>
-              <a:t>が</a:t>
-            </a:r>
-            <a:r>
-              <a:rPr kumimoji="1" lang="en-US" altLang="ja-JP" sz="1200" dirty="0">
-                <a:solidFill>
-                  <a:schemeClr val="tx1"/>
-                </a:solidFill>
-                <a:latin typeface="ＭＳ ゴシック" panose="020B0609070205080204" pitchFamily="49" charset="-128"/>
-                <a:ea typeface="ＭＳ ゴシック" panose="020B0609070205080204" pitchFamily="49" charset="-128"/>
-              </a:rPr>
-              <a:t>new</a:t>
-            </a:r>
-            <a:r>
-              <a:rPr kumimoji="1" lang="ja-JP" altLang="en-US" sz="1200" dirty="0">
-                <a:solidFill>
-                  <a:schemeClr val="tx1"/>
-                </a:solidFill>
-                <a:latin typeface="ＭＳ ゴシック" panose="020B0609070205080204" pitchFamily="49" charset="-128"/>
-                <a:ea typeface="ＭＳ ゴシック" panose="020B0609070205080204" pitchFamily="49" charset="-128"/>
-              </a:rPr>
-              <a:t>されたときは</a:t>
-            </a:r>
-            <a:r>
-              <a:rPr kumimoji="1" lang="ja-JP" altLang="en-US" sz="1200" b="1" dirty="0">
-                <a:solidFill>
-                  <a:srgbClr val="FF0000"/>
-                </a:solidFill>
-                <a:latin typeface="ＭＳ ゴシック" panose="020B0609070205080204" pitchFamily="49" charset="-128"/>
-                <a:ea typeface="ＭＳ ゴシック" panose="020B0609070205080204" pitchFamily="49" charset="-128"/>
-              </a:rPr>
-              <a:t>ステタース</a:t>
-            </a:r>
-            <a:r>
-              <a:rPr kumimoji="1" lang="en-US" altLang="ja-JP" sz="1200" b="1" dirty="0">
-                <a:solidFill>
-                  <a:srgbClr val="FF0000"/>
-                </a:solidFill>
-                <a:latin typeface="ＭＳ ゴシック" panose="020B0609070205080204" pitchFamily="49" charset="-128"/>
-                <a:ea typeface="ＭＳ ゴシック" panose="020B0609070205080204" pitchFamily="49" charset="-128"/>
-              </a:rPr>
-              <a:t>=</a:t>
-            </a:r>
-            <a:r>
-              <a:rPr kumimoji="1" lang="ja-JP" altLang="en-US" sz="1200" b="1" dirty="0">
-                <a:solidFill>
-                  <a:srgbClr val="FF0000"/>
-                </a:solidFill>
-                <a:latin typeface="ＭＳ ゴシック" panose="020B0609070205080204" pitchFamily="49" charset="-128"/>
-                <a:ea typeface="ＭＳ ゴシック" panose="020B0609070205080204" pitchFamily="49" charset="-128"/>
-              </a:rPr>
-              <a:t>未完了</a:t>
-            </a:r>
-            <a:r>
-              <a:rPr kumimoji="1" lang="en-US" altLang="ja-JP" sz="1200" b="1" dirty="0">
-                <a:solidFill>
-                  <a:srgbClr val="FF0000"/>
-                </a:solidFill>
-                <a:latin typeface="ＭＳ ゴシック" panose="020B0609070205080204" pitchFamily="49" charset="-128"/>
-                <a:ea typeface="ＭＳ ゴシック" panose="020B0609070205080204" pitchFamily="49" charset="-128"/>
-              </a:rPr>
-              <a:t>(0)</a:t>
-            </a:r>
-            <a:r>
-              <a:rPr kumimoji="1" lang="ja-JP" altLang="en-US" sz="1200" dirty="0">
-                <a:solidFill>
-                  <a:schemeClr val="tx1"/>
-                </a:solidFill>
-                <a:latin typeface="ＭＳ ゴシック" panose="020B0609070205080204" pitchFamily="49" charset="-128"/>
-                <a:ea typeface="ＭＳ ゴシック" panose="020B0609070205080204" pitchFamily="49" charset="-128"/>
-              </a:rPr>
-              <a:t>。これを</a:t>
-            </a:r>
-            <a:r>
-              <a:rPr kumimoji="1" lang="ja-JP" altLang="en-US" sz="1600" b="1" dirty="0">
-                <a:solidFill>
-                  <a:schemeClr val="accent2">
-                    <a:lumMod val="75000"/>
-                  </a:schemeClr>
-                </a:solidFill>
-                <a:latin typeface="ＭＳ ゴシック" panose="020B0609070205080204" pitchFamily="49" charset="-128"/>
-                <a:ea typeface="ＭＳ ゴシック" panose="020B0609070205080204" pitchFamily="49" charset="-128"/>
-              </a:rPr>
-              <a:t>呼び元（</a:t>
-            </a:r>
-            <a:r>
-              <a:rPr kumimoji="1" lang="en-US" altLang="ja-JP" sz="1600" b="1" dirty="0">
-                <a:solidFill>
-                  <a:schemeClr val="accent2">
-                    <a:lumMod val="75000"/>
-                  </a:schemeClr>
-                </a:solidFill>
-                <a:latin typeface="ＭＳ ゴシック" panose="020B0609070205080204" pitchFamily="49" charset="-128"/>
-                <a:ea typeface="ＭＳ ゴシック" panose="020B0609070205080204" pitchFamily="49" charset="-128"/>
-              </a:rPr>
-              <a:t>A)</a:t>
-            </a:r>
-            <a:r>
-              <a:rPr kumimoji="1" lang="ja-JP" altLang="en-US" sz="1200" dirty="0">
-                <a:solidFill>
-                  <a:schemeClr val="tx1"/>
-                </a:solidFill>
-                <a:latin typeface="ＭＳ ゴシック" panose="020B0609070205080204" pitchFamily="49" charset="-128"/>
-                <a:ea typeface="ＭＳ ゴシック" panose="020B0609070205080204" pitchFamily="49" charset="-128"/>
-              </a:rPr>
-              <a:t>に</a:t>
-            </a:r>
-            <a:r>
-              <a:rPr kumimoji="1" lang="ja-JP" altLang="en-US" sz="1200" b="1" dirty="0">
-                <a:solidFill>
-                  <a:srgbClr val="FF0000"/>
-                </a:solidFill>
-                <a:latin typeface="ＭＳ ゴシック" panose="020B0609070205080204" pitchFamily="49" charset="-128"/>
-                <a:ea typeface="ＭＳ ゴシック" panose="020B0609070205080204" pitchFamily="49" charset="-128"/>
-              </a:rPr>
-              <a:t>先に返します</a:t>
-            </a:r>
-            <a:r>
-              <a:rPr kumimoji="1" lang="ja-JP" altLang="en-US" sz="1200" dirty="0">
-                <a:solidFill>
-                  <a:schemeClr val="tx1"/>
-                </a:solidFill>
-                <a:latin typeface="ＭＳ ゴシック" panose="020B0609070205080204" pitchFamily="49" charset="-128"/>
-                <a:ea typeface="ＭＳ ゴシック" panose="020B0609070205080204" pitchFamily="49" charset="-128"/>
-              </a:rPr>
-              <a:t>。</a:t>
+                <a:latin typeface="+mn-ea"/>
+              </a:rPr>
+              <a:t>ルールは</a:t>
             </a:r>
             <a:endParaRPr kumimoji="1" lang="en-US" altLang="ja-JP" sz="1200" dirty="0">
               <a:solidFill>
                 <a:schemeClr val="tx1"/>
               </a:solidFill>
-              <a:latin typeface="ＭＳ ゴシック" panose="020B0609070205080204" pitchFamily="49" charset="-128"/>
-              <a:ea typeface="ＭＳ ゴシック" panose="020B0609070205080204" pitchFamily="49" charset="-128"/>
+              <a:latin typeface="+mn-ea"/>
             </a:endParaRPr>
           </a:p>
           <a:p>
+            <a:r>
+              <a:rPr kumimoji="1" lang="ja-JP" altLang="en-US" sz="1200" dirty="0">
+                <a:solidFill>
+                  <a:schemeClr val="tx1"/>
+                </a:solidFill>
+                <a:latin typeface="+mn-ea"/>
+              </a:rPr>
+              <a:t>・</a:t>
+            </a:r>
+            <a:r>
+              <a:rPr kumimoji="1" lang="en-US" altLang="ja-JP" sz="1200" dirty="0">
+                <a:solidFill>
+                  <a:schemeClr val="tx1"/>
+                </a:solidFill>
+                <a:latin typeface="+mn-ea"/>
+              </a:rPr>
+              <a:t>Promise</a:t>
+            </a:r>
+            <a:r>
+              <a:rPr kumimoji="1" lang="ja-JP" altLang="en-US" sz="1200" dirty="0">
+                <a:solidFill>
+                  <a:schemeClr val="tx1"/>
+                </a:solidFill>
+                <a:latin typeface="+mn-ea"/>
+              </a:rPr>
+              <a:t>を返す関数がある場合、関数の前に</a:t>
+            </a:r>
+            <a:r>
+              <a:rPr kumimoji="1" lang="en-US" altLang="ja-JP" sz="1200" b="1" dirty="0">
+                <a:solidFill>
+                  <a:srgbClr val="FF0000"/>
+                </a:solidFill>
+                <a:latin typeface="+mn-ea"/>
+              </a:rPr>
+              <a:t>await</a:t>
+            </a:r>
+            <a:r>
+              <a:rPr kumimoji="1" lang="ja-JP" altLang="en-US" sz="1200" dirty="0">
+                <a:solidFill>
+                  <a:schemeClr val="tx1"/>
+                </a:solidFill>
+                <a:latin typeface="+mn-ea"/>
+              </a:rPr>
+              <a:t>をつけると、</a:t>
+            </a:r>
+            <a:r>
+              <a:rPr kumimoji="1" lang="en-US" altLang="ja-JP" sz="1200" dirty="0">
+                <a:solidFill>
+                  <a:schemeClr val="tx1"/>
+                </a:solidFill>
+                <a:latin typeface="+mn-ea"/>
+              </a:rPr>
+              <a:t>Promise</a:t>
+            </a:r>
+            <a:r>
+              <a:rPr kumimoji="1" lang="ja-JP" altLang="en-US" sz="1200" dirty="0">
+                <a:solidFill>
+                  <a:schemeClr val="tx1"/>
+                </a:solidFill>
+                <a:latin typeface="+mn-ea"/>
+              </a:rPr>
+              <a:t>が完了するまで待ってくれる且つ、戻り値で非同期の結果を受け取れます。これにより</a:t>
+            </a:r>
+            <a:r>
+              <a:rPr kumimoji="1" lang="en-US" altLang="ja-JP" sz="1200" b="1" u="sng" dirty="0" err="1">
+                <a:solidFill>
+                  <a:srgbClr val="FF0000"/>
+                </a:solidFill>
+                <a:latin typeface="+mn-ea"/>
+              </a:rPr>
+              <a:t>Promise.then</a:t>
+            </a:r>
+            <a:r>
+              <a:rPr kumimoji="1" lang="en-US" altLang="ja-JP" sz="1200" b="1" u="sng" dirty="0">
+                <a:solidFill>
+                  <a:srgbClr val="FF0000"/>
+                </a:solidFill>
+                <a:latin typeface="+mn-ea"/>
+              </a:rPr>
+              <a:t>(XXXX).then(XXXX)</a:t>
+            </a:r>
+            <a:r>
+              <a:rPr kumimoji="1" lang="ja-JP" altLang="en-US" sz="1200" dirty="0">
+                <a:solidFill>
+                  <a:schemeClr val="tx1"/>
+                </a:solidFill>
+                <a:latin typeface="+mn-ea"/>
+              </a:rPr>
+              <a:t>という関数の数珠つなぎにするチェーンコーディングは不要になります。</a:t>
+            </a:r>
             <a:endParaRPr kumimoji="1" lang="en-US" altLang="ja-JP" sz="1200" dirty="0">
               <a:solidFill>
                 <a:schemeClr val="tx1"/>
               </a:solidFill>
-              <a:latin typeface="ＭＳ ゴシック" panose="020B0609070205080204" pitchFamily="49" charset="-128"/>
-              <a:ea typeface="ＭＳ ゴシック" panose="020B0609070205080204" pitchFamily="49" charset="-128"/>
+              <a:latin typeface="+mn-ea"/>
             </a:endParaRPr>
           </a:p>
           <a:p>
-            <a:r>
-              <a:rPr kumimoji="1" lang="ja-JP" altLang="en-US" sz="1200" dirty="0">
-                <a:solidFill>
-                  <a:schemeClr val="tx1"/>
-                </a:solidFill>
-                <a:latin typeface="ＭＳ ゴシック" panose="020B0609070205080204" pitchFamily="49" charset="-128"/>
-                <a:ea typeface="ＭＳ ゴシック" panose="020B0609070205080204" pitchFamily="49" charset="-128"/>
-              </a:rPr>
-              <a:t>２：</a:t>
-            </a:r>
-            <a:r>
-              <a:rPr kumimoji="1" lang="en-US" altLang="ja-JP" sz="1200" dirty="0">
-                <a:solidFill>
-                  <a:schemeClr val="tx1"/>
-                </a:solidFill>
-                <a:latin typeface="ＭＳ ゴシック" panose="020B0609070205080204" pitchFamily="49" charset="-128"/>
-                <a:ea typeface="ＭＳ ゴシック" panose="020B0609070205080204" pitchFamily="49" charset="-128"/>
-              </a:rPr>
-              <a:t>Promise</a:t>
-            </a:r>
-            <a:r>
-              <a:rPr kumimoji="1" lang="ja-JP" altLang="en-US" sz="1200" dirty="0">
-                <a:solidFill>
-                  <a:schemeClr val="tx1"/>
-                </a:solidFill>
-                <a:latin typeface="ＭＳ ゴシック" panose="020B0609070205080204" pitchFamily="49" charset="-128"/>
-                <a:ea typeface="ＭＳ ゴシック" panose="020B0609070205080204" pitchFamily="49" charset="-128"/>
-              </a:rPr>
-              <a:t>はステータスの値が変わるまで</a:t>
-            </a:r>
-            <a:r>
-              <a:rPr kumimoji="1" lang="en-US" altLang="ja-JP" sz="1200" dirty="0">
-                <a:solidFill>
-                  <a:schemeClr val="tx1"/>
-                </a:solidFill>
-                <a:latin typeface="ＭＳ ゴシック" panose="020B0609070205080204" pitchFamily="49" charset="-128"/>
-                <a:ea typeface="ＭＳ ゴシック" panose="020B0609070205080204" pitchFamily="49" charset="-128"/>
-              </a:rPr>
-              <a:t>setInterval</a:t>
-            </a:r>
-            <a:r>
-              <a:rPr kumimoji="1" lang="ja-JP" altLang="en-US" sz="1200" dirty="0">
-                <a:solidFill>
-                  <a:schemeClr val="tx1"/>
-                </a:solidFill>
-                <a:latin typeface="ＭＳ ゴシック" panose="020B0609070205080204" pitchFamily="49" charset="-128"/>
-                <a:ea typeface="ＭＳ ゴシック" panose="020B0609070205080204" pitchFamily="49" charset="-128"/>
-              </a:rPr>
-              <a:t>関数を使ってステータスを監視します。</a:t>
-            </a:r>
-            <a:r>
-              <a:rPr kumimoji="1" lang="en-US" altLang="ja-JP" sz="1200" dirty="0">
-                <a:solidFill>
-                  <a:schemeClr val="tx1"/>
-                </a:solidFill>
-                <a:latin typeface="ＭＳ ゴシック" panose="020B0609070205080204" pitchFamily="49" charset="-128"/>
-                <a:ea typeface="ＭＳ ゴシック" panose="020B0609070205080204" pitchFamily="49" charset="-128"/>
-              </a:rPr>
-              <a:t>setInterval</a:t>
-            </a:r>
-            <a:r>
-              <a:rPr kumimoji="1" lang="ja-JP" altLang="en-US" sz="1200" dirty="0">
-                <a:solidFill>
-                  <a:schemeClr val="tx1"/>
-                </a:solidFill>
-                <a:latin typeface="ＭＳ ゴシック" panose="020B0609070205080204" pitchFamily="49" charset="-128"/>
-                <a:ea typeface="ＭＳ ゴシック" panose="020B0609070205080204" pitchFamily="49" charset="-128"/>
-              </a:rPr>
-              <a:t>の指定間隔でチェック</a:t>
-            </a:r>
             <a:endParaRPr kumimoji="1" lang="en-US" altLang="ja-JP" sz="1200" dirty="0">
               <a:solidFill>
                 <a:schemeClr val="tx1"/>
               </a:solidFill>
-              <a:latin typeface="ＭＳ ゴシック" panose="020B0609070205080204" pitchFamily="49" charset="-128"/>
-              <a:ea typeface="ＭＳ ゴシック" panose="020B0609070205080204" pitchFamily="49" charset="-128"/>
+              <a:latin typeface="+mn-ea"/>
             </a:endParaRPr>
           </a:p>
           <a:p>
@@ -15137,159 +15325,94 @@
                 <a:solidFill>
                   <a:schemeClr val="tx1"/>
                 </a:solidFill>
-                <a:latin typeface="ＭＳ ゴシック" panose="020B0609070205080204" pitchFamily="49" charset="-128"/>
-                <a:ea typeface="ＭＳ ゴシック" panose="020B0609070205080204" pitchFamily="49" charset="-128"/>
-              </a:rPr>
-              <a:t>するときだけブラウザは制御を</a:t>
-            </a:r>
-            <a:r>
-              <a:rPr kumimoji="1" lang="en-US" altLang="ja-JP" sz="1200" dirty="0">
-                <a:solidFill>
-                  <a:schemeClr val="tx1"/>
-                </a:solidFill>
-                <a:latin typeface="ＭＳ ゴシック" panose="020B0609070205080204" pitchFamily="49" charset="-128"/>
-                <a:ea typeface="ＭＳ ゴシック" panose="020B0609070205080204" pitchFamily="49" charset="-128"/>
-              </a:rPr>
-              <a:t>JavaScript</a:t>
+                <a:latin typeface="+mn-ea"/>
+              </a:rPr>
+              <a:t>関数内の</a:t>
+            </a:r>
+            <a:r>
+              <a:rPr lang="en-US" altLang="ja-JP" sz="1200" b="1" dirty="0">
+                <a:solidFill>
+                  <a:srgbClr val="FF0000"/>
+                </a:solidFill>
+                <a:latin typeface="+mn-ea"/>
+              </a:rPr>
+              <a:t>await</a:t>
             </a:r>
             <a:r>
               <a:rPr kumimoji="1" lang="ja-JP" altLang="en-US" sz="1200" dirty="0">
                 <a:solidFill>
                   <a:schemeClr val="tx1"/>
                 </a:solidFill>
-                <a:latin typeface="ＭＳ ゴシック" panose="020B0609070205080204" pitchFamily="49" charset="-128"/>
-                <a:ea typeface="ＭＳ ゴシック" panose="020B0609070205080204" pitchFamily="49" charset="-128"/>
-              </a:rPr>
-              <a:t>に移し、未完了の場合はそのまま</a:t>
-            </a:r>
-            <a:r>
-              <a:rPr kumimoji="1" lang="en-US" altLang="ja-JP" sz="1200" dirty="0">
-                <a:solidFill>
-                  <a:schemeClr val="tx1"/>
-                </a:solidFill>
-                <a:latin typeface="ＭＳ ゴシック" panose="020B0609070205080204" pitchFamily="49" charset="-128"/>
-                <a:ea typeface="ＭＳ ゴシック" panose="020B0609070205080204" pitchFamily="49" charset="-128"/>
-              </a:rPr>
-              <a:t>UI</a:t>
+                <a:latin typeface="+mn-ea"/>
+              </a:rPr>
+              <a:t>が書かれている場合は、その関数自体に</a:t>
+            </a:r>
+            <a:r>
+              <a:rPr kumimoji="1" lang="en-US" altLang="ja-JP" sz="1200" b="1" dirty="0">
+                <a:solidFill>
+                  <a:srgbClr val="FF0000"/>
+                </a:solidFill>
+                <a:latin typeface="+mn-ea"/>
+              </a:rPr>
+              <a:t>async</a:t>
             </a:r>
             <a:r>
               <a:rPr kumimoji="1" lang="ja-JP" altLang="en-US" sz="1200" dirty="0">
                 <a:solidFill>
                   <a:schemeClr val="tx1"/>
                 </a:solidFill>
-                <a:latin typeface="ＭＳ ゴシック" panose="020B0609070205080204" pitchFamily="49" charset="-128"/>
-                <a:ea typeface="ＭＳ ゴシック" panose="020B0609070205080204" pitchFamily="49" charset="-128"/>
-              </a:rPr>
-              <a:t>に制御を</a:t>
-            </a:r>
-            <a:r>
-              <a:rPr kumimoji="1" lang="ja-JP" altLang="en-US" sz="1200" dirty="0" err="1">
-                <a:solidFill>
-                  <a:schemeClr val="tx1"/>
-                </a:solidFill>
-                <a:latin typeface="ＭＳ ゴシック" panose="020B0609070205080204" pitchFamily="49" charset="-128"/>
-                <a:ea typeface="ＭＳ ゴシック" panose="020B0609070205080204" pitchFamily="49" charset="-128"/>
-              </a:rPr>
-              <a:t>戻すを</a:t>
+                <a:latin typeface="+mn-ea"/>
+              </a:rPr>
+              <a:t>キーワード付ける必要があり、かつその関数の呼び出す際は</a:t>
+            </a:r>
+            <a:r>
+              <a:rPr kumimoji="1" lang="en-US" altLang="ja-JP" sz="1200" b="1" dirty="0">
+                <a:solidFill>
+                  <a:srgbClr val="FF0000"/>
+                </a:solidFill>
+                <a:latin typeface="+mn-ea"/>
+              </a:rPr>
+              <a:t>await</a:t>
             </a:r>
             <a:r>
               <a:rPr kumimoji="1" lang="ja-JP" altLang="en-US" sz="1200" dirty="0">
                 <a:solidFill>
                   <a:schemeClr val="tx1"/>
                 </a:solidFill>
-                <a:latin typeface="ＭＳ ゴシック" panose="020B0609070205080204" pitchFamily="49" charset="-128"/>
-                <a:ea typeface="ＭＳ ゴシック" panose="020B0609070205080204" pitchFamily="49" charset="-128"/>
-              </a:rPr>
-              <a:t>繰り返します。</a:t>
+                <a:latin typeface="+mn-ea"/>
+              </a:rPr>
+              <a:t>で呼ばないと</a:t>
             </a:r>
             <a:endParaRPr kumimoji="1" lang="en-US" altLang="ja-JP" sz="1200" dirty="0">
               <a:solidFill>
                 <a:schemeClr val="tx1"/>
               </a:solidFill>
-              <a:latin typeface="ＭＳ ゴシック" panose="020B0609070205080204" pitchFamily="49" charset="-128"/>
-              <a:ea typeface="ＭＳ ゴシック" panose="020B0609070205080204" pitchFamily="49" charset="-128"/>
+              <a:latin typeface="+mn-ea"/>
             </a:endParaRPr>
           </a:p>
           <a:p>
+            <a:r>
+              <a:rPr kumimoji="1" lang="ja-JP" altLang="en-US" sz="1200" dirty="0">
+                <a:solidFill>
+                  <a:schemeClr val="tx1"/>
+                </a:solidFill>
+                <a:latin typeface="+mn-ea"/>
+              </a:rPr>
+              <a:t>非同期完了を待たず、次の処理に進んでしまいます。</a:t>
+            </a:r>
             <a:endParaRPr kumimoji="1" lang="en-US" altLang="ja-JP" sz="1200" dirty="0">
               <a:solidFill>
                 <a:schemeClr val="tx1"/>
               </a:solidFill>
-              <a:latin typeface="ＭＳ ゴシック" panose="020B0609070205080204" pitchFamily="49" charset="-128"/>
-              <a:ea typeface="ＭＳ ゴシック" panose="020B0609070205080204" pitchFamily="49" charset="-128"/>
+              <a:latin typeface="+mn-ea"/>
             </a:endParaRPr>
           </a:p>
           <a:p>
-            <a:r>
-              <a:rPr kumimoji="1" lang="ja-JP" altLang="en-US" sz="1200" dirty="0">
-                <a:solidFill>
-                  <a:schemeClr val="tx1"/>
-                </a:solidFill>
-                <a:latin typeface="ＭＳ ゴシック" panose="020B0609070205080204" pitchFamily="49" charset="-128"/>
-                <a:ea typeface="ＭＳ ゴシック" panose="020B0609070205080204" pitchFamily="49" charset="-128"/>
-              </a:rPr>
-              <a:t>３：</a:t>
-            </a:r>
-            <a:r>
-              <a:rPr kumimoji="1" lang="ja-JP" altLang="en-US" sz="1600" b="1" dirty="0">
-                <a:solidFill>
-                  <a:schemeClr val="accent4">
-                    <a:lumMod val="75000"/>
-                  </a:schemeClr>
-                </a:solidFill>
-                <a:latin typeface="ＭＳ ゴシック" panose="020B0609070205080204" pitchFamily="49" charset="-128"/>
-                <a:ea typeface="ＭＳ ゴシック" panose="020B0609070205080204" pitchFamily="49" charset="-128"/>
-              </a:rPr>
-              <a:t>呼び出され先（</a:t>
-            </a:r>
-            <a:r>
-              <a:rPr kumimoji="1" lang="en-US" altLang="ja-JP" sz="1600" b="1" dirty="0">
-                <a:solidFill>
-                  <a:schemeClr val="accent4">
-                    <a:lumMod val="75000"/>
-                  </a:schemeClr>
-                </a:solidFill>
-                <a:latin typeface="ＭＳ ゴシック" panose="020B0609070205080204" pitchFamily="49" charset="-128"/>
-                <a:ea typeface="ＭＳ ゴシック" panose="020B0609070205080204" pitchFamily="49" charset="-128"/>
-              </a:rPr>
-              <a:t>B)</a:t>
-            </a:r>
-            <a:r>
-              <a:rPr kumimoji="1" lang="ja-JP" altLang="en-US" sz="1200" dirty="0">
-                <a:solidFill>
-                  <a:schemeClr val="tx1"/>
-                </a:solidFill>
-                <a:latin typeface="ＭＳ ゴシック" panose="020B0609070205080204" pitchFamily="49" charset="-128"/>
-                <a:ea typeface="ＭＳ ゴシック" panose="020B0609070205080204" pitchFamily="49" charset="-128"/>
-              </a:rPr>
-              <a:t>の非同期処理が</a:t>
-            </a:r>
-            <a:r>
-              <a:rPr kumimoji="1" lang="en-US" altLang="ja-JP" sz="1200" dirty="0">
-                <a:solidFill>
-                  <a:schemeClr val="tx1"/>
-                </a:solidFill>
-                <a:latin typeface="ＭＳ ゴシック" panose="020B0609070205080204" pitchFamily="49" charset="-128"/>
-                <a:ea typeface="ＭＳ ゴシック" panose="020B0609070205080204" pitchFamily="49" charset="-128"/>
-              </a:rPr>
-              <a:t>UI</a:t>
-            </a:r>
-            <a:r>
-              <a:rPr kumimoji="1" lang="ja-JP" altLang="en-US" sz="1200" dirty="0">
-                <a:solidFill>
-                  <a:schemeClr val="tx1"/>
-                </a:solidFill>
-                <a:latin typeface="ＭＳ ゴシック" panose="020B0609070205080204" pitchFamily="49" charset="-128"/>
-                <a:ea typeface="ＭＳ ゴシック" panose="020B0609070205080204" pitchFamily="49" charset="-128"/>
-              </a:rPr>
-              <a:t>が暇になった為、実際に実行され</a:t>
-            </a:r>
             <a:endParaRPr kumimoji="1" lang="en-US" altLang="ja-JP" sz="1200" dirty="0">
               <a:solidFill>
                 <a:schemeClr val="tx1"/>
               </a:solidFill>
-              <a:latin typeface="ＭＳ ゴシック" panose="020B0609070205080204" pitchFamily="49" charset="-128"/>
-              <a:ea typeface="ＭＳ ゴシック" panose="020B0609070205080204" pitchFamily="49" charset="-128"/>
+              <a:latin typeface="+mn-ea"/>
             </a:endParaRPr>
           </a:p>
           <a:p>
@@ -15298,303 +15421,59 @@
                 <a:solidFill>
                   <a:schemeClr val="tx1"/>
                 </a:solidFill>
-                <a:latin typeface="ＭＳ ゴシック" panose="020B0609070205080204" pitchFamily="49" charset="-128"/>
-                <a:ea typeface="ＭＳ ゴシック" panose="020B0609070205080204" pitchFamily="49" charset="-128"/>
-              </a:rPr>
-              <a:t>完了した場合にステタースを</a:t>
-            </a:r>
-            <a:r>
-              <a:rPr kumimoji="1" lang="ja-JP" altLang="en-US" sz="1200" b="1" dirty="0">
-                <a:solidFill>
-                  <a:srgbClr val="FF0000"/>
-                </a:solidFill>
-                <a:latin typeface="ＭＳ ゴシック" panose="020B0609070205080204" pitchFamily="49" charset="-128"/>
-                <a:ea typeface="ＭＳ ゴシック" panose="020B0609070205080204" pitchFamily="49" charset="-128"/>
-              </a:rPr>
-              <a:t>実行完了（正常</a:t>
-            </a:r>
-            <a:r>
-              <a:rPr kumimoji="1" lang="en-US" altLang="ja-JP" sz="1200" b="1" dirty="0">
-                <a:solidFill>
-                  <a:srgbClr val="FF0000"/>
-                </a:solidFill>
-                <a:latin typeface="ＭＳ ゴシック" panose="020B0609070205080204" pitchFamily="49" charset="-128"/>
-                <a:ea typeface="ＭＳ ゴシック" panose="020B0609070205080204" pitchFamily="49" charset="-128"/>
-              </a:rPr>
-              <a:t>=1)</a:t>
-            </a:r>
-            <a:r>
-              <a:rPr kumimoji="1" lang="ja-JP" altLang="en-US" sz="1200" dirty="0">
-                <a:solidFill>
-                  <a:schemeClr val="tx1"/>
-                </a:solidFill>
-                <a:latin typeface="ＭＳ ゴシック" panose="020B0609070205080204" pitchFamily="49" charset="-128"/>
-                <a:ea typeface="ＭＳ ゴシック" panose="020B0609070205080204" pitchFamily="49" charset="-128"/>
-              </a:rPr>
-              <a:t>または</a:t>
-            </a:r>
-            <a:r>
-              <a:rPr kumimoji="1" lang="ja-JP" altLang="en-US" sz="1200" b="1" dirty="0">
-                <a:solidFill>
-                  <a:srgbClr val="FF0000"/>
-                </a:solidFill>
-                <a:latin typeface="ＭＳ ゴシック" panose="020B0609070205080204" pitchFamily="49" charset="-128"/>
-                <a:ea typeface="ＭＳ ゴシック" panose="020B0609070205080204" pitchFamily="49" charset="-128"/>
-              </a:rPr>
-              <a:t>実行エラー</a:t>
-            </a:r>
-            <a:r>
-              <a:rPr kumimoji="1" lang="en-US" altLang="ja-JP" sz="1200" b="1" dirty="0">
-                <a:solidFill>
-                  <a:srgbClr val="FF0000"/>
-                </a:solidFill>
-                <a:latin typeface="ＭＳ ゴシック" panose="020B0609070205080204" pitchFamily="49" charset="-128"/>
-                <a:ea typeface="ＭＳ ゴシック" panose="020B0609070205080204" pitchFamily="49" charset="-128"/>
-              </a:rPr>
-              <a:t>(</a:t>
-            </a:r>
-            <a:r>
-              <a:rPr kumimoji="1" lang="ja-JP" altLang="en-US" sz="1200" b="1" dirty="0">
-                <a:solidFill>
-                  <a:srgbClr val="FF0000"/>
-                </a:solidFill>
-                <a:latin typeface="ＭＳ ゴシック" panose="020B0609070205080204" pitchFamily="49" charset="-128"/>
-                <a:ea typeface="ＭＳ ゴシック" panose="020B0609070205080204" pitchFamily="49" charset="-128"/>
-              </a:rPr>
-              <a:t>失敗</a:t>
-            </a:r>
-            <a:r>
-              <a:rPr kumimoji="1" lang="en-US" altLang="ja-JP" sz="1200" b="1" dirty="0">
-                <a:solidFill>
-                  <a:srgbClr val="FF0000"/>
-                </a:solidFill>
-                <a:latin typeface="ＭＳ ゴシック" panose="020B0609070205080204" pitchFamily="49" charset="-128"/>
-                <a:ea typeface="ＭＳ ゴシック" panose="020B0609070205080204" pitchFamily="49" charset="-128"/>
-              </a:rPr>
-              <a:t>=2)</a:t>
-            </a:r>
-            <a:r>
-              <a:rPr kumimoji="1" lang="ja-JP" altLang="en-US" sz="1200" dirty="0">
-                <a:solidFill>
-                  <a:schemeClr val="tx1"/>
-                </a:solidFill>
-                <a:latin typeface="ＭＳ ゴシック" panose="020B0609070205080204" pitchFamily="49" charset="-128"/>
-                <a:ea typeface="ＭＳ ゴシック" panose="020B0609070205080204" pitchFamily="49" charset="-128"/>
-              </a:rPr>
-              <a:t>を設定します。</a:t>
+                <a:latin typeface="+mn-ea"/>
+              </a:rPr>
+              <a:t>説明を見るより実装コードを見たほうが早そうなので、</a:t>
             </a:r>
             <a:endParaRPr kumimoji="1" lang="en-US" altLang="ja-JP" sz="1200" dirty="0">
               <a:solidFill>
                 <a:schemeClr val="tx1"/>
               </a:solidFill>
-              <a:latin typeface="ＭＳ ゴシック" panose="020B0609070205080204" pitchFamily="49" charset="-128"/>
-              <a:ea typeface="ＭＳ ゴシック" panose="020B0609070205080204" pitchFamily="49" charset="-128"/>
+              <a:latin typeface="+mn-ea"/>
             </a:endParaRPr>
           </a:p>
           <a:p>
+            <a:r>
+              <a:rPr kumimoji="1" lang="en-US" altLang="ja-JP" sz="1200" b="1" dirty="0">
+                <a:solidFill>
+                  <a:srgbClr val="FF0000"/>
+                </a:solidFill>
+                <a:latin typeface="+mn-ea"/>
+              </a:rPr>
+              <a:t>test03.html</a:t>
+            </a:r>
+            <a:r>
+              <a:rPr kumimoji="1" lang="ja-JP" altLang="en-US" sz="1200" dirty="0">
+                <a:solidFill>
+                  <a:schemeClr val="tx1"/>
+                </a:solidFill>
+                <a:latin typeface="+mn-ea"/>
+              </a:rPr>
+              <a:t>と</a:t>
+            </a:r>
+            <a:r>
+              <a:rPr kumimoji="1" lang="en-US" altLang="ja-JP" sz="1200" b="1" dirty="0">
+                <a:solidFill>
+                  <a:srgbClr val="FF0000"/>
+                </a:solidFill>
+                <a:latin typeface="+mn-ea"/>
+              </a:rPr>
+              <a:t>test03.js</a:t>
+            </a:r>
+            <a:r>
+              <a:rPr kumimoji="1" lang="ja-JP" altLang="en-US" sz="1200" dirty="0">
+                <a:solidFill>
+                  <a:schemeClr val="tx1"/>
+                </a:solidFill>
+                <a:latin typeface="+mn-ea"/>
+              </a:rPr>
+              <a:t>を見てみて、実験してみましょう。</a:t>
+            </a:r>
             <a:endParaRPr kumimoji="1" lang="en-US" altLang="ja-JP" sz="1200" dirty="0">
               <a:solidFill>
                 <a:schemeClr val="tx1"/>
               </a:solidFill>
-              <a:latin typeface="ＭＳ ゴシック" panose="020B0609070205080204" pitchFamily="49" charset="-128"/>
-              <a:ea typeface="ＭＳ ゴシック" panose="020B0609070205080204" pitchFamily="49" charset="-128"/>
-            </a:endParaRPr>
-          </a:p>
-          <a:p>
-            <a:r>
-              <a:rPr kumimoji="1" lang="ja-JP" altLang="en-US" sz="1200" dirty="0">
-                <a:solidFill>
-                  <a:schemeClr val="tx1"/>
-                </a:solidFill>
-                <a:latin typeface="ＭＳ ゴシック" panose="020B0609070205080204" pitchFamily="49" charset="-128"/>
-                <a:ea typeface="ＭＳ ゴシック" panose="020B0609070205080204" pitchFamily="49" charset="-128"/>
-              </a:rPr>
-              <a:t>４：</a:t>
-            </a:r>
-            <a:r>
-              <a:rPr kumimoji="1" lang="ja-JP" altLang="en-US" sz="1600" b="1" dirty="0">
-                <a:solidFill>
-                  <a:schemeClr val="accent2">
-                    <a:lumMod val="75000"/>
-                  </a:schemeClr>
-                </a:solidFill>
-                <a:latin typeface="ＭＳ ゴシック" panose="020B0609070205080204" pitchFamily="49" charset="-128"/>
-                <a:ea typeface="ＭＳ ゴシック" panose="020B0609070205080204" pitchFamily="49" charset="-128"/>
-              </a:rPr>
-              <a:t>呼び元（</a:t>
-            </a:r>
-            <a:r>
-              <a:rPr kumimoji="1" lang="en-US" altLang="ja-JP" sz="1600" b="1" dirty="0">
-                <a:solidFill>
-                  <a:schemeClr val="accent2">
-                    <a:lumMod val="75000"/>
-                  </a:schemeClr>
-                </a:solidFill>
-                <a:latin typeface="ＭＳ ゴシック" panose="020B0609070205080204" pitchFamily="49" charset="-128"/>
-                <a:ea typeface="ＭＳ ゴシック" panose="020B0609070205080204" pitchFamily="49" charset="-128"/>
-              </a:rPr>
-              <a:t>A)</a:t>
-            </a:r>
-            <a:r>
-              <a:rPr kumimoji="1" lang="ja-JP" altLang="en-US" sz="1200" dirty="0">
-                <a:solidFill>
-                  <a:schemeClr val="tx1"/>
-                </a:solidFill>
-                <a:latin typeface="ＭＳ ゴシック" panose="020B0609070205080204" pitchFamily="49" charset="-128"/>
-                <a:ea typeface="ＭＳ ゴシック" panose="020B0609070205080204" pitchFamily="49" charset="-128"/>
-              </a:rPr>
-              <a:t>は</a:t>
-            </a:r>
-            <a:r>
-              <a:rPr kumimoji="1" lang="en-US" altLang="ja-JP" sz="1200" dirty="0">
-                <a:solidFill>
-                  <a:schemeClr val="tx1"/>
-                </a:solidFill>
-                <a:latin typeface="ＭＳ ゴシック" panose="020B0609070205080204" pitchFamily="49" charset="-128"/>
-                <a:ea typeface="ＭＳ ゴシック" panose="020B0609070205080204" pitchFamily="49" charset="-128"/>
-              </a:rPr>
-              <a:t>Promise</a:t>
-            </a:r>
-            <a:r>
-              <a:rPr kumimoji="1" lang="ja-JP" altLang="en-US" sz="1200" dirty="0">
-                <a:solidFill>
-                  <a:schemeClr val="tx1"/>
-                </a:solidFill>
-                <a:latin typeface="ＭＳ ゴシック" panose="020B0609070205080204" pitchFamily="49" charset="-128"/>
-                <a:ea typeface="ＭＳ ゴシック" panose="020B0609070205080204" pitchFamily="49" charset="-128"/>
-              </a:rPr>
-              <a:t>のステータスが変わったため、次の</a:t>
-            </a:r>
-            <a:r>
-              <a:rPr kumimoji="1" lang="en-US" altLang="ja-JP" sz="1200" dirty="0">
-                <a:solidFill>
-                  <a:schemeClr val="tx1"/>
-                </a:solidFill>
-                <a:latin typeface="ＭＳ ゴシック" panose="020B0609070205080204" pitchFamily="49" charset="-128"/>
-                <a:ea typeface="ＭＳ ゴシック" panose="020B0609070205080204" pitchFamily="49" charset="-128"/>
-              </a:rPr>
-              <a:t>Promise</a:t>
-            </a:r>
-            <a:r>
-              <a:rPr kumimoji="1" lang="ja-JP" altLang="en-US" sz="1200" dirty="0">
-                <a:solidFill>
-                  <a:schemeClr val="tx1"/>
-                </a:solidFill>
-                <a:latin typeface="ＭＳ ゴシック" panose="020B0609070205080204" pitchFamily="49" charset="-128"/>
-                <a:ea typeface="ＭＳ ゴシック" panose="020B0609070205080204" pitchFamily="49" charset="-128"/>
-              </a:rPr>
-              <a:t>処理を呼び出す</a:t>
-            </a:r>
-            <a:endParaRPr kumimoji="1" lang="en-US" altLang="ja-JP" sz="1200" dirty="0">
-              <a:solidFill>
-                <a:schemeClr val="tx1"/>
-              </a:solidFill>
-              <a:latin typeface="ＭＳ ゴシック" panose="020B0609070205080204" pitchFamily="49" charset="-128"/>
-              <a:ea typeface="ＭＳ ゴシック" panose="020B0609070205080204" pitchFamily="49" charset="-128"/>
-            </a:endParaRPr>
-          </a:p>
-        </p:txBody>
-      </p:sp>
-      <p:sp>
-        <p:nvSpPr>
-          <p:cNvPr id="10" name="正方形/長方形 9">
-            <a:extLst>
-              <a:ext uri="{FF2B5EF4-FFF2-40B4-BE49-F238E27FC236}">
-                <a16:creationId xmlns:a16="http://schemas.microsoft.com/office/drawing/2014/main" id="{4F60AD40-9823-45C9-BF97-84EBDAFACD83}"/>
-              </a:ext>
-            </a:extLst>
-          </p:cNvPr>
-          <p:cNvSpPr/>
-          <p:nvPr/>
-        </p:nvSpPr>
-        <p:spPr>
-          <a:xfrm>
-            <a:off x="1487618" y="4950324"/>
-            <a:ext cx="10029841" cy="854114"/>
-          </a:xfrm>
-          <a:prstGeom prst="rect">
-            <a:avLst/>
-          </a:prstGeom>
-          <a:noFill/>
-          <a:ln>
-            <a:noFill/>
-          </a:ln>
-        </p:spPr>
-        <p:style>
-          <a:lnRef idx="2">
-            <a:schemeClr val="accent1">
-              <a:shade val="50000"/>
-            </a:schemeClr>
-          </a:lnRef>
-          <a:fillRef idx="1">
-            <a:schemeClr val="accent1"/>
-          </a:fillRef>
-          <a:effectRef idx="0">
-            <a:schemeClr val="accent1"/>
-          </a:effectRef>
-          <a:fontRef idx="minor">
-            <a:schemeClr val="lt1"/>
-          </a:fontRef>
-        </p:style>
-        <p:txBody>
-          <a:bodyPr rtlCol="0" anchor="ctr"/>
-          <a:lstStyle/>
-          <a:p>
-            <a:r>
-              <a:rPr kumimoji="1" lang="ja-JP" altLang="en-US" sz="1200" b="1" dirty="0">
-                <a:solidFill>
-                  <a:schemeClr val="tx1"/>
-                </a:solidFill>
-                <a:latin typeface="ＭＳ ゴシック" panose="020B0609070205080204" pitchFamily="49" charset="-128"/>
-                <a:ea typeface="ＭＳ ゴシック" panose="020B0609070205080204" pitchFamily="49" charset="-128"/>
-              </a:rPr>
-              <a:t>２の処理（ステータスが変わるまで先に進まない監視</a:t>
-            </a:r>
-            <a:r>
-              <a:rPr kumimoji="1" lang="en-US" altLang="ja-JP" sz="1200" b="1" dirty="0">
-                <a:solidFill>
-                  <a:schemeClr val="tx1"/>
-                </a:solidFill>
-                <a:latin typeface="ＭＳ ゴシック" panose="020B0609070205080204" pitchFamily="49" charset="-128"/>
-                <a:ea typeface="ＭＳ ゴシック" panose="020B0609070205080204" pitchFamily="49" charset="-128"/>
-              </a:rPr>
-              <a:t>setInterval)</a:t>
-            </a:r>
-            <a:r>
-              <a:rPr kumimoji="1" lang="ja-JP" altLang="en-US" sz="1200" b="1" dirty="0">
-                <a:solidFill>
-                  <a:schemeClr val="tx1"/>
-                </a:solidFill>
-                <a:latin typeface="ＭＳ ゴシック" panose="020B0609070205080204" pitchFamily="49" charset="-128"/>
-                <a:ea typeface="ＭＳ ゴシック" panose="020B0609070205080204" pitchFamily="49" charset="-128"/>
-              </a:rPr>
-              <a:t>のおかげで</a:t>
-            </a:r>
-            <a:endParaRPr kumimoji="1" lang="en-US" altLang="ja-JP" sz="1200" b="1" dirty="0">
-              <a:solidFill>
-                <a:schemeClr val="tx1"/>
-              </a:solidFill>
-              <a:latin typeface="ＭＳ ゴシック" panose="020B0609070205080204" pitchFamily="49" charset="-128"/>
-              <a:ea typeface="ＭＳ ゴシック" panose="020B0609070205080204" pitchFamily="49" charset="-128"/>
-            </a:endParaRPr>
-          </a:p>
-          <a:p>
-            <a:r>
-              <a:rPr kumimoji="1" lang="ja-JP" altLang="en-US" sz="1200" b="1" dirty="0">
-                <a:solidFill>
-                  <a:schemeClr val="tx1"/>
-                </a:solidFill>
-                <a:latin typeface="ＭＳ ゴシック" panose="020B0609070205080204" pitchFamily="49" charset="-128"/>
-                <a:ea typeface="ＭＳ ゴシック" panose="020B0609070205080204" pitchFamily="49" charset="-128"/>
-              </a:rPr>
-              <a:t>１の非同期処理が完了するまで次に進めず、非同期処理が同期型処理のように待機するようなコーディング出来ます。</a:t>
-            </a:r>
-            <a:endParaRPr kumimoji="1" lang="en-US" altLang="ja-JP" sz="1200" b="1" dirty="0">
-              <a:solidFill>
-                <a:schemeClr val="tx1"/>
-              </a:solidFill>
-              <a:latin typeface="ＭＳ ゴシック" panose="020B0609070205080204" pitchFamily="49" charset="-128"/>
-              <a:ea typeface="ＭＳ ゴシック" panose="020B0609070205080204" pitchFamily="49" charset="-128"/>
+              <a:latin typeface="+mn-ea"/>
             </a:endParaRPr>
           </a:p>
         </p:txBody>
@@ -15631,6 +15510,35 @@
       </p:grpSpPr>
       <p:sp>
         <p:nvSpPr>
+          <p:cNvPr id="2" name="タイトル 1">
+            <a:extLst>
+              <a:ext uri="{FF2B5EF4-FFF2-40B4-BE49-F238E27FC236}">
+                <a16:creationId xmlns:a16="http://schemas.microsoft.com/office/drawing/2014/main" id="{AF95579B-9C8F-4F15-9040-E3797EAF3252}"/>
+              </a:ext>
+            </a:extLst>
+          </p:cNvPr>
+          <p:cNvSpPr>
+            <a:spLocks noGrp="1"/>
+          </p:cNvSpPr>
+          <p:nvPr>
+            <p:ph type="title"/>
+          </p:nvPr>
+        </p:nvSpPr>
+        <p:spPr/>
+        <p:txBody>
+          <a:bodyPr/>
+          <a:lstStyle/>
+          <a:p>
+            <a:r>
+              <a:rPr lang="ja-JP" altLang="en-US" dirty="0"/>
+              <a:t>ハンズオン３</a:t>
+            </a:r>
+            <a:endParaRPr kumimoji="1" lang="ja-JP" altLang="en-US" dirty="0"/>
+          </a:p>
+        </p:txBody>
+      </p:sp>
+      <p:sp>
+        <p:nvSpPr>
           <p:cNvPr id="3" name="正方形/長方形 2">
             <a:extLst>
               <a:ext uri="{FF2B5EF4-FFF2-40B4-BE49-F238E27FC236}">
@@ -15644,7 +15552,7 @@
         <p:spPr>
           <a:xfrm>
             <a:off x="2842669" y="2214694"/>
-            <a:ext cx="7159170" cy="369332"/>
+            <a:ext cx="7159170" cy="646331"/>
           </a:xfrm>
           <a:prstGeom prst="rect">
             <a:avLst/>
@@ -15657,78 +15565,23 @@
           <a:lstStyle/>
           <a:p>
             <a:r>
-              <a:rPr kumimoji="1" lang="ja-JP" altLang="en-US" b="1" dirty="0"/>
-              <a:t>ここで疑問、どんな処理が非同期になりうるの？？？</a:t>
-            </a:r>
-            <a:endParaRPr kumimoji="1" lang="en-US" altLang="ja-JP" b="1" dirty="0"/>
-          </a:p>
-        </p:txBody>
-      </p:sp>
-      <p:sp>
-        <p:nvSpPr>
-          <p:cNvPr id="4" name="正方形/長方形 3">
-            <a:extLst>
-              <a:ext uri="{FF2B5EF4-FFF2-40B4-BE49-F238E27FC236}">
-                <a16:creationId xmlns:a16="http://schemas.microsoft.com/office/drawing/2014/main" id="{3C430B1A-AAF1-479B-A230-702E35540408}"/>
-              </a:ext>
-            </a:extLst>
-          </p:cNvPr>
-          <p:cNvSpPr/>
-          <p:nvPr/>
-        </p:nvSpPr>
-        <p:spPr>
-          <a:xfrm>
-            <a:off x="1112363" y="2912278"/>
-            <a:ext cx="9992412" cy="3139321"/>
-          </a:xfrm>
-          <a:prstGeom prst="rect">
-            <a:avLst/>
-          </a:prstGeom>
-        </p:spPr>
-        <p:txBody>
-          <a:bodyPr wrap="square">
-            <a:spAutoFit/>
-          </a:bodyPr>
-          <a:lstStyle/>
-          <a:p>
-            <a:r>
               <a:rPr kumimoji="1" lang="ja-JP" altLang="en-US" dirty="0"/>
-              <a:t>　・</a:t>
+              <a:t>ハンズオン１を</a:t>
             </a:r>
             <a:r>
               <a:rPr kumimoji="1" lang="en-US" altLang="ja-JP" dirty="0"/>
-              <a:t>Ajax</a:t>
+              <a:t>Async/Await</a:t>
             </a:r>
             <a:r>
               <a:rPr kumimoji="1" lang="ja-JP" altLang="en-US" dirty="0"/>
-              <a:t>や</a:t>
-            </a:r>
+              <a:t>で下のファイルに記述してみる。</a:t>
+            </a:r>
+            <a:endParaRPr kumimoji="1" lang="en-US" altLang="ja-JP" dirty="0"/>
+          </a:p>
+          <a:p>
             <a:r>
               <a:rPr kumimoji="1" lang="en-US" altLang="ja-JP" dirty="0"/>
-              <a:t>indexedDb,websqldatabase(</a:t>
-            </a:r>
-            <a:r>
-              <a:rPr kumimoji="1" lang="ja-JP" altLang="en-US" dirty="0"/>
-              <a:t>廃止</a:t>
-            </a:r>
-            <a:r>
-              <a:rPr kumimoji="1" lang="en-US" altLang="ja-JP" dirty="0"/>
-              <a:t>)</a:t>
-            </a:r>
-            <a:r>
-              <a:rPr kumimoji="1" lang="ja-JP" altLang="en-US" dirty="0"/>
-              <a:t>などの外部ストレージや通信処理</a:t>
-            </a:r>
-            <a:endParaRPr kumimoji="1" lang="en-US" altLang="ja-JP" dirty="0"/>
-          </a:p>
-          <a:p>
-            <a:r>
-              <a:rPr kumimoji="1" lang="ja-JP" altLang="en-US" dirty="0"/>
-              <a:t>　　（</a:t>
-            </a:r>
-            <a:r>
-              <a:rPr kumimoji="1" lang="en-US" altLang="ja-JP" dirty="0"/>
-              <a:t>localStrage</a:t>
+              <a:t>(test03.html</a:t>
             </a:r>
             <a:r>
               <a:rPr kumimoji="1" lang="ja-JP" altLang="en-US" dirty="0"/>
@@ -15736,118 +15589,7 @@
             </a:r>
             <a:r>
               <a:rPr kumimoji="1" lang="en-US" altLang="ja-JP" dirty="0"/>
-              <a:t>sessionStrage</a:t>
-            </a:r>
-            <a:r>
-              <a:rPr kumimoji="1" lang="ja-JP" altLang="en-US" dirty="0"/>
-              <a:t>は外部ストレージだけど例外）</a:t>
-            </a:r>
-            <a:endParaRPr kumimoji="1" lang="en-US" altLang="ja-JP" dirty="0"/>
-          </a:p>
-          <a:p>
-            <a:endParaRPr kumimoji="1" lang="en-US" altLang="ja-JP" dirty="0"/>
-          </a:p>
-          <a:p>
-            <a:r>
-              <a:rPr kumimoji="1" lang="ja-JP" altLang="en-US" dirty="0"/>
-              <a:t>　・イメージ読み込みなどの外部ストレージからの読み込み</a:t>
-            </a:r>
-            <a:endParaRPr kumimoji="1" lang="en-US" altLang="ja-JP" dirty="0"/>
-          </a:p>
-          <a:p>
-            <a:endParaRPr kumimoji="1" lang="en-US" altLang="ja-JP" dirty="0"/>
-          </a:p>
-          <a:p>
-            <a:r>
-              <a:rPr kumimoji="1" lang="ja-JP" altLang="en-US" dirty="0"/>
-              <a:t>　・数秒後に実行</a:t>
-            </a:r>
-            <a:r>
-              <a:rPr kumimoji="1" lang="en-US" altLang="ja-JP" dirty="0"/>
-              <a:t>(setTimeout)</a:t>
-            </a:r>
-            <a:r>
-              <a:rPr kumimoji="1" lang="ja-JP" altLang="en-US" dirty="0"/>
-              <a:t>や数秒間隔実行</a:t>
-            </a:r>
-            <a:r>
-              <a:rPr kumimoji="1" lang="en-US" altLang="ja-JP" dirty="0"/>
-              <a:t>(setInterval)</a:t>
-            </a:r>
-          </a:p>
-          <a:p>
-            <a:endParaRPr kumimoji="1" lang="en-US" altLang="ja-JP" dirty="0"/>
-          </a:p>
-          <a:p>
-            <a:endParaRPr kumimoji="1" lang="en-US" altLang="ja-JP" dirty="0"/>
-          </a:p>
-          <a:p>
-            <a:r>
-              <a:rPr kumimoji="1" lang="en-US" altLang="ja-JP" dirty="0"/>
-              <a:t>※JavaScript</a:t>
-            </a:r>
-            <a:r>
-              <a:rPr kumimoji="1" lang="ja-JP" altLang="en-US" dirty="0"/>
-              <a:t>のメモリ外の情報を取得設定する場合は必ず非同期（外部</a:t>
-            </a:r>
-            <a:r>
-              <a:rPr kumimoji="1" lang="en-US" altLang="ja-JP" dirty="0"/>
-              <a:t>INPUT / OUTPUT</a:t>
-            </a:r>
-            <a:r>
-              <a:rPr kumimoji="1" lang="ja-JP" altLang="en-US" dirty="0"/>
-              <a:t>を伴う処理）</a:t>
-            </a:r>
-            <a:endParaRPr kumimoji="1" lang="en-US" altLang="ja-JP" dirty="0"/>
-          </a:p>
-          <a:p>
-            <a:r>
-              <a:rPr kumimoji="1" lang="ja-JP" altLang="en-US" dirty="0"/>
-              <a:t>（レスポンス想定時間がわからないので同期で</a:t>
-            </a:r>
-            <a:r>
-              <a:rPr kumimoji="1" lang="en-US" altLang="ja-JP" dirty="0"/>
-              <a:t>UI</a:t>
-            </a:r>
-            <a:r>
-              <a:rPr kumimoji="1" lang="ja-JP" altLang="en-US" dirty="0"/>
-              <a:t>処理</a:t>
-            </a:r>
-            <a:r>
-              <a:rPr kumimoji="1" lang="ja-JP" altLang="en-US"/>
-              <a:t>をブロックしないようにするため）</a:t>
-            </a:r>
-            <a:endParaRPr kumimoji="1" lang="en-US" altLang="ja-JP" dirty="0"/>
-          </a:p>
-          <a:p>
-            <a:endParaRPr kumimoji="1" lang="en-US" altLang="ja-JP" dirty="0"/>
-          </a:p>
-        </p:txBody>
-      </p:sp>
-      <p:sp>
-        <p:nvSpPr>
-          <p:cNvPr id="5" name="タイトル 4">
-            <a:extLst>
-              <a:ext uri="{FF2B5EF4-FFF2-40B4-BE49-F238E27FC236}">
-                <a16:creationId xmlns:a16="http://schemas.microsoft.com/office/drawing/2014/main" id="{E16BA8AF-3144-4E32-B445-A8DA8DF1D047}"/>
-              </a:ext>
-            </a:extLst>
-          </p:cNvPr>
-          <p:cNvSpPr>
-            <a:spLocks noGrp="1"/>
-          </p:cNvSpPr>
-          <p:nvPr>
-            <p:ph type="title"/>
-          </p:nvPr>
-        </p:nvSpPr>
-        <p:spPr/>
-        <p:txBody>
-          <a:bodyPr/>
-          <a:lstStyle/>
-          <a:p>
-            <a:r>
-              <a:rPr kumimoji="1" lang="ja-JP" altLang="en-US" dirty="0"/>
-              <a:t>非同期になりうる処理</a:t>
+              <a:t>test03.js)</a:t>
             </a:r>
           </a:p>
         </p:txBody>
@@ -15855,7 +15597,7 @@
     </p:spTree>
     <p:extLst>
       <p:ext uri="{BB962C8B-B14F-4D97-AF65-F5344CB8AC3E}">
-        <p14:creationId xmlns:p14="http://schemas.microsoft.com/office/powerpoint/2010/main" val="2031081184"/>
+        <p14:creationId xmlns:p14="http://schemas.microsoft.com/office/powerpoint/2010/main" val="3984399665"/>
       </p:ext>
     </p:extLst>
   </p:cSld>
@@ -15884,10 +15626,205 @@
       </p:grpSpPr>
       <p:sp>
         <p:nvSpPr>
-          <p:cNvPr id="2" name="タイトル 1">
+          <p:cNvPr id="3" name="正方形/長方形 2">
             <a:extLst>
               <a:ext uri="{FF2B5EF4-FFF2-40B4-BE49-F238E27FC236}">
-                <a16:creationId xmlns:a16="http://schemas.microsoft.com/office/drawing/2014/main" id="{AF95579B-9C8F-4F15-9040-E3797EAF3252}"/>
+                <a16:creationId xmlns:a16="http://schemas.microsoft.com/office/drawing/2014/main" id="{2737290F-EDF9-46D2-B854-235451570101}"/>
+              </a:ext>
+            </a:extLst>
+          </p:cNvPr>
+          <p:cNvSpPr/>
+          <p:nvPr/>
+        </p:nvSpPr>
+        <p:spPr>
+          <a:xfrm>
+            <a:off x="2842669" y="2214694"/>
+            <a:ext cx="7159170" cy="369332"/>
+          </a:xfrm>
+          <a:prstGeom prst="rect">
+            <a:avLst/>
+          </a:prstGeom>
+        </p:spPr>
+        <p:txBody>
+          <a:bodyPr wrap="square">
+            <a:spAutoFit/>
+          </a:bodyPr>
+          <a:lstStyle/>
+          <a:p>
+            <a:r>
+              <a:rPr kumimoji="1" lang="ja-JP" altLang="en-US" b="1" dirty="0"/>
+              <a:t>ここで疑問、どんな処理が非同期になりうるの？？？</a:t>
+            </a:r>
+            <a:endParaRPr kumimoji="1" lang="en-US" altLang="ja-JP" b="1" dirty="0"/>
+          </a:p>
+        </p:txBody>
+      </p:sp>
+      <p:sp>
+        <p:nvSpPr>
+          <p:cNvPr id="4" name="正方形/長方形 3">
+            <a:extLst>
+              <a:ext uri="{FF2B5EF4-FFF2-40B4-BE49-F238E27FC236}">
+                <a16:creationId xmlns:a16="http://schemas.microsoft.com/office/drawing/2014/main" id="{3C430B1A-AAF1-479B-A230-702E35540408}"/>
+              </a:ext>
+            </a:extLst>
+          </p:cNvPr>
+          <p:cNvSpPr/>
+          <p:nvPr/>
+        </p:nvSpPr>
+        <p:spPr>
+          <a:xfrm>
+            <a:off x="1112363" y="2912278"/>
+            <a:ext cx="9992412" cy="3139321"/>
+          </a:xfrm>
+          <a:prstGeom prst="rect">
+            <a:avLst/>
+          </a:prstGeom>
+        </p:spPr>
+        <p:txBody>
+          <a:bodyPr wrap="square">
+            <a:spAutoFit/>
+          </a:bodyPr>
+          <a:lstStyle/>
+          <a:p>
+            <a:r>
+              <a:rPr kumimoji="1" lang="ja-JP" altLang="en-US" dirty="0"/>
+              <a:t>　・</a:t>
+            </a:r>
+            <a:r>
+              <a:rPr kumimoji="1" lang="en-US" altLang="ja-JP" dirty="0"/>
+              <a:t>Ajax</a:t>
+            </a:r>
+            <a:r>
+              <a:rPr kumimoji="1" lang="ja-JP" altLang="en-US" dirty="0"/>
+              <a:t>や</a:t>
+            </a:r>
+            <a:r>
+              <a:rPr kumimoji="1" lang="en-US" altLang="ja-JP" dirty="0"/>
+              <a:t>indexedDb,websqldatabase(</a:t>
+            </a:r>
+            <a:r>
+              <a:rPr kumimoji="1" lang="ja-JP" altLang="en-US" dirty="0"/>
+              <a:t>廃止</a:t>
+            </a:r>
+            <a:r>
+              <a:rPr kumimoji="1" lang="en-US" altLang="ja-JP" dirty="0"/>
+              <a:t>)</a:t>
+            </a:r>
+            <a:r>
+              <a:rPr kumimoji="1" lang="ja-JP" altLang="en-US" dirty="0"/>
+              <a:t>などの外部ストレージや通信処理</a:t>
+            </a:r>
+            <a:endParaRPr kumimoji="1" lang="en-US" altLang="ja-JP" dirty="0"/>
+          </a:p>
+          <a:p>
+            <a:r>
+              <a:rPr kumimoji="1" lang="ja-JP" altLang="en-US" dirty="0"/>
+              <a:t>　　（</a:t>
+            </a:r>
+            <a:r>
+              <a:rPr kumimoji="1" lang="en-US" altLang="ja-JP" dirty="0"/>
+              <a:t>localStrage</a:t>
+            </a:r>
+            <a:r>
+              <a:rPr kumimoji="1" lang="ja-JP" altLang="en-US" dirty="0"/>
+              <a:t>と</a:t>
+            </a:r>
+            <a:r>
+              <a:rPr kumimoji="1" lang="en-US" altLang="ja-JP" dirty="0"/>
+              <a:t>sessionStrage</a:t>
+            </a:r>
+            <a:r>
+              <a:rPr kumimoji="1" lang="ja-JP" altLang="en-US" dirty="0"/>
+              <a:t>は外部ストレージだけど例外）</a:t>
+            </a:r>
+            <a:endParaRPr kumimoji="1" lang="en-US" altLang="ja-JP" dirty="0"/>
+          </a:p>
+          <a:p>
+            <a:endParaRPr kumimoji="1" lang="en-US" altLang="ja-JP" dirty="0"/>
+          </a:p>
+          <a:p>
+            <a:r>
+              <a:rPr kumimoji="1" lang="ja-JP" altLang="en-US" dirty="0"/>
+              <a:t>　・イメージ読み込みなどの外部ストレージからの読み込み</a:t>
+            </a:r>
+            <a:endParaRPr kumimoji="1" lang="en-US" altLang="ja-JP" dirty="0"/>
+          </a:p>
+          <a:p>
+            <a:endParaRPr kumimoji="1" lang="en-US" altLang="ja-JP" dirty="0"/>
+          </a:p>
+          <a:p>
+            <a:r>
+              <a:rPr kumimoji="1" lang="ja-JP" altLang="en-US" dirty="0"/>
+              <a:t>　・数秒後に実行</a:t>
+            </a:r>
+            <a:r>
+              <a:rPr kumimoji="1" lang="en-US" altLang="ja-JP" dirty="0"/>
+              <a:t>(setTimeout)</a:t>
+            </a:r>
+            <a:r>
+              <a:rPr kumimoji="1" lang="ja-JP" altLang="en-US" dirty="0"/>
+              <a:t>や数秒間隔実行</a:t>
+            </a:r>
+            <a:r>
+              <a:rPr kumimoji="1" lang="en-US" altLang="ja-JP" dirty="0"/>
+              <a:t>(setInterval)</a:t>
+            </a:r>
+          </a:p>
+          <a:p>
+            <a:endParaRPr kumimoji="1" lang="en-US" altLang="ja-JP" dirty="0"/>
+          </a:p>
+          <a:p>
+            <a:endParaRPr kumimoji="1" lang="en-US" altLang="ja-JP" dirty="0"/>
+          </a:p>
+          <a:p>
+            <a:r>
+              <a:rPr kumimoji="1" lang="en-US" altLang="ja-JP" dirty="0"/>
+              <a:t>※JavaScript</a:t>
+            </a:r>
+            <a:r>
+              <a:rPr kumimoji="1" lang="ja-JP" altLang="en-US" dirty="0"/>
+              <a:t>のメモリ外の情報を取得設定する場合は必ず非同期（外部</a:t>
+            </a:r>
+            <a:r>
+              <a:rPr kumimoji="1" lang="en-US" altLang="ja-JP" dirty="0"/>
+              <a:t>INPUT / OUTPUT</a:t>
+            </a:r>
+            <a:r>
+              <a:rPr kumimoji="1" lang="ja-JP" altLang="en-US" dirty="0"/>
+              <a:t>を伴う処理）</a:t>
+            </a:r>
+            <a:endParaRPr kumimoji="1" lang="en-US" altLang="ja-JP" dirty="0"/>
+          </a:p>
+          <a:p>
+            <a:r>
+              <a:rPr kumimoji="1" lang="ja-JP" altLang="en-US" dirty="0"/>
+              <a:t>（レスポンス想定時間がわからないので同期で</a:t>
+            </a:r>
+            <a:r>
+              <a:rPr kumimoji="1" lang="en-US" altLang="ja-JP" dirty="0"/>
+              <a:t>UI</a:t>
+            </a:r>
+            <a:r>
+              <a:rPr kumimoji="1" lang="ja-JP" altLang="en-US" dirty="0"/>
+              <a:t>処理</a:t>
+            </a:r>
+            <a:r>
+              <a:rPr kumimoji="1" lang="ja-JP" altLang="en-US"/>
+              <a:t>をブロックしないようにするため）</a:t>
+            </a:r>
+            <a:endParaRPr kumimoji="1" lang="en-US" altLang="ja-JP" dirty="0"/>
+          </a:p>
+          <a:p>
+            <a:endParaRPr kumimoji="1" lang="en-US" altLang="ja-JP" dirty="0"/>
+          </a:p>
+        </p:txBody>
+      </p:sp>
+      <p:sp>
+        <p:nvSpPr>
+          <p:cNvPr id="5" name="タイトル 4">
+            <a:extLst>
+              <a:ext uri="{FF2B5EF4-FFF2-40B4-BE49-F238E27FC236}">
+                <a16:creationId xmlns:a16="http://schemas.microsoft.com/office/drawing/2014/main" id="{E16BA8AF-3144-4E32-B445-A8DA8DF1D047}"/>
               </a:ext>
             </a:extLst>
           </p:cNvPr>
@@ -15904,66 +15841,8 @@
           <a:lstStyle/>
           <a:p>
             <a:r>
-              <a:rPr lang="ja-JP" altLang="en-US" dirty="0"/>
-              <a:t>ハンズオン３</a:t>
-            </a:r>
-            <a:endParaRPr kumimoji="1" lang="ja-JP" altLang="en-US" dirty="0"/>
-          </a:p>
-        </p:txBody>
-      </p:sp>
-      <p:sp>
-        <p:nvSpPr>
-          <p:cNvPr id="3" name="正方形/長方形 2">
-            <a:extLst>
-              <a:ext uri="{FF2B5EF4-FFF2-40B4-BE49-F238E27FC236}">
-                <a16:creationId xmlns:a16="http://schemas.microsoft.com/office/drawing/2014/main" id="{2737290F-EDF9-46D2-B854-235451570101}"/>
-              </a:ext>
-            </a:extLst>
-          </p:cNvPr>
-          <p:cNvSpPr/>
-          <p:nvPr/>
-        </p:nvSpPr>
-        <p:spPr>
-          <a:xfrm>
-            <a:off x="2842669" y="2214694"/>
-            <a:ext cx="7159170" cy="646331"/>
-          </a:xfrm>
-          <a:prstGeom prst="rect">
-            <a:avLst/>
-          </a:prstGeom>
-        </p:spPr>
-        <p:txBody>
-          <a:bodyPr wrap="square">
-            <a:spAutoFit/>
-          </a:bodyPr>
-          <a:lstStyle/>
-          <a:p>
-            <a:r>
               <a:rPr kumimoji="1" lang="ja-JP" altLang="en-US" dirty="0"/>
-              <a:t>ハンズオン１を</a:t>
-            </a:r>
-            <a:r>
-              <a:rPr kumimoji="1" lang="en-US" altLang="ja-JP" dirty="0"/>
-              <a:t>Async/Await</a:t>
-            </a:r>
-            <a:r>
-              <a:rPr kumimoji="1" lang="ja-JP" altLang="en-US" dirty="0"/>
-              <a:t>で下のファイルに記述してみる。</a:t>
-            </a:r>
-            <a:endParaRPr kumimoji="1" lang="en-US" altLang="ja-JP" dirty="0"/>
-          </a:p>
-          <a:p>
-            <a:r>
-              <a:rPr kumimoji="1" lang="en-US" altLang="ja-JP" dirty="0"/>
-              <a:t>(test03.html</a:t>
-            </a:r>
-            <a:r>
-              <a:rPr kumimoji="1" lang="ja-JP" altLang="en-US" dirty="0"/>
-              <a:t>と</a:t>
-            </a:r>
-            <a:r>
-              <a:rPr kumimoji="1" lang="en-US" altLang="ja-JP" dirty="0"/>
-              <a:t>test03.js)</a:t>
+              <a:t>非同期になりうる処理</a:t>
             </a:r>
           </a:p>
         </p:txBody>
@@ -15971,7 +15850,7 @@
     </p:spTree>
     <p:extLst>
       <p:ext uri="{BB962C8B-B14F-4D97-AF65-F5344CB8AC3E}">
-        <p14:creationId xmlns:p14="http://schemas.microsoft.com/office/powerpoint/2010/main" val="3984399665"/>
+        <p14:creationId xmlns:p14="http://schemas.microsoft.com/office/powerpoint/2010/main" val="2031081184"/>
       </p:ext>
     </p:extLst>
   </p:cSld>

--- a/本当は難しいJavaScriptの話.pptx
+++ b/本当は難しいJavaScriptの話.pptx
@@ -27,6 +27,7 @@
     <p:sldId id="278" r:id="rId21"/>
     <p:sldId id="277" r:id="rId22"/>
     <p:sldId id="276" r:id="rId23"/>
+    <p:sldId id="279" r:id="rId24"/>
   </p:sldIdLst>
   <p:sldSz cx="12192000" cy="6858000"/>
   <p:notesSz cx="6858000" cy="9144000"/>
@@ -6679,7 +6680,27 @@
                 <a:latin typeface="ＭＳ ゴシック" panose="020B0609070205080204" pitchFamily="49" charset="-128"/>
                 <a:ea typeface="ＭＳ ゴシック" panose="020B0609070205080204" pitchFamily="49" charset="-128"/>
               </a:rPr>
-              <a:t>動いてないときはブラウザに制御を戻してあげてユーザーからの反応に応答するよ！</a:t>
+              <a:t>動いてないときは</a:t>
+            </a:r>
+            <a:r>
+              <a:rPr lang="ja-JP" altLang="en-US" b="1" dirty="0">
+                <a:solidFill>
+                  <a:srgbClr val="FF0000"/>
+                </a:solidFill>
+                <a:latin typeface="ＭＳ ゴシック" panose="020B0609070205080204" pitchFamily="49" charset="-128"/>
+                <a:ea typeface="ＭＳ ゴシック" panose="020B0609070205080204" pitchFamily="49" charset="-128"/>
+              </a:rPr>
+              <a:t>ブラウザに制御を戻してあげて</a:t>
+            </a:r>
+            <a:r>
+              <a:rPr lang="ja-JP" altLang="en-US" dirty="0">
+                <a:solidFill>
+                  <a:schemeClr val="tx1"/>
+                </a:solidFill>
+                <a:latin typeface="ＭＳ ゴシック" panose="020B0609070205080204" pitchFamily="49" charset="-128"/>
+                <a:ea typeface="ＭＳ ゴシック" panose="020B0609070205080204" pitchFamily="49" charset="-128"/>
+              </a:rPr>
+              <a:t>ユーザーからの反応に応答するよ！</a:t>
             </a:r>
             <a:endParaRPr lang="en-US" altLang="ja-JP" dirty="0">
               <a:solidFill>
@@ -6710,9 +6731,9 @@
               <a:t>２：ユーザーの操作に応答しているときは</a:t>
             </a:r>
             <a:r>
-              <a:rPr lang="en-US" altLang="ja-JP" dirty="0">
-                <a:solidFill>
-                  <a:schemeClr val="tx1"/>
+              <a:rPr lang="en-US" altLang="ja-JP" b="1" dirty="0">
+                <a:solidFill>
+                  <a:srgbClr val="FF0000"/>
                 </a:solidFill>
                 <a:latin typeface="ＭＳ ゴシック" panose="020B0609070205080204" pitchFamily="49" charset="-128"/>
                 <a:ea typeface="ＭＳ ゴシック" panose="020B0609070205080204" pitchFamily="49" charset="-128"/>
@@ -6720,6 +6741,16 @@
               <a:t>JavaScirpt</a:t>
             </a:r>
             <a:r>
+              <a:rPr lang="ja-JP" altLang="en-US" b="1" dirty="0">
+                <a:solidFill>
+                  <a:srgbClr val="FF0000"/>
+                </a:solidFill>
+                <a:latin typeface="ＭＳ ゴシック" panose="020B0609070205080204" pitchFamily="49" charset="-128"/>
+                <a:ea typeface="ＭＳ ゴシック" panose="020B0609070205080204" pitchFamily="49" charset="-128"/>
+              </a:rPr>
+              <a:t>ちょい待って！</a:t>
+            </a:r>
+            <a:r>
               <a:rPr lang="ja-JP" altLang="en-US" dirty="0">
                 <a:solidFill>
                   <a:schemeClr val="tx1"/>
@@ -6727,7 +6758,7 @@
                 <a:latin typeface="ＭＳ ゴシック" panose="020B0609070205080204" pitchFamily="49" charset="-128"/>
                 <a:ea typeface="ＭＳ ゴシック" panose="020B0609070205080204" pitchFamily="49" charset="-128"/>
               </a:rPr>
-              <a:t>ちょい待って！おわったら</a:t>
+              <a:t>おわったら</a:t>
             </a:r>
             <a:endParaRPr lang="en-US" altLang="ja-JP" dirty="0">
               <a:solidFill>
@@ -6852,7 +6883,27 @@
                 <a:latin typeface="ＭＳ ゴシック" panose="020B0609070205080204" pitchFamily="49" charset="-128"/>
                 <a:ea typeface="ＭＳ ゴシック" panose="020B0609070205080204" pitchFamily="49" charset="-128"/>
               </a:rPr>
-              <a:t>同時実行している。</a:t>
+              <a:t>同時実行している（</a:t>
+            </a:r>
+            <a:r>
+              <a:rPr kumimoji="1" lang="ja-JP" altLang="en-US" b="1" dirty="0">
+                <a:solidFill>
+                  <a:srgbClr val="FF0000"/>
+                </a:solidFill>
+                <a:latin typeface="ＭＳ ゴシック" panose="020B0609070205080204" pitchFamily="49" charset="-128"/>
+                <a:ea typeface="ＭＳ ゴシック" panose="020B0609070205080204" pitchFamily="49" charset="-128"/>
+              </a:rPr>
+              <a:t>風に見える</a:t>
+            </a:r>
+            <a:r>
+              <a:rPr kumimoji="1" lang="ja-JP" altLang="en-US" dirty="0">
+                <a:solidFill>
+                  <a:schemeClr val="tx1"/>
+                </a:solidFill>
+                <a:latin typeface="ＭＳ ゴシック" panose="020B0609070205080204" pitchFamily="49" charset="-128"/>
+                <a:ea typeface="ＭＳ ゴシック" panose="020B0609070205080204" pitchFamily="49" charset="-128"/>
+              </a:rPr>
+              <a:t>）。</a:t>
             </a:r>
             <a:endParaRPr kumimoji="1" lang="en-US" altLang="ja-JP" dirty="0">
               <a:solidFill>
@@ -7769,17 +7820,7 @@
                 <a:latin typeface="ＭＳ ゴシック" panose="020B0609070205080204" pitchFamily="49" charset="-128"/>
                 <a:ea typeface="ＭＳ ゴシック" panose="020B0609070205080204" pitchFamily="49" charset="-128"/>
               </a:rPr>
-              <a:t>が忙しいときは実際は言語が非同期なのであまりないけど</a:t>
-            </a:r>
-            <a:r>
-              <a:rPr kumimoji="1" lang="ja-JP" altLang="en-US" u="sng" dirty="0" err="1">
-                <a:solidFill>
-                  <a:schemeClr val="tx1"/>
-                </a:solidFill>
-                <a:latin typeface="ＭＳ ゴシック" panose="020B0609070205080204" pitchFamily="49" charset="-128"/>
-                <a:ea typeface="ＭＳ ゴシック" panose="020B0609070205080204" pitchFamily="49" charset="-128"/>
-              </a:rPr>
-              <a:t>。。</a:t>
+              <a:t>が忙しいときは実際は言語が非同期なのであまりないけど。</a:t>
             </a:r>
             <a:r>
               <a:rPr kumimoji="1" lang="en-US" altLang="ja-JP" u="sng" dirty="0">
@@ -8638,7 +8679,7 @@
                 <a:latin typeface="ＭＳ ゴシック" panose="020B0609070205080204" pitchFamily="49" charset="-128"/>
                 <a:ea typeface="ＭＳ ゴシック" panose="020B0609070205080204" pitchFamily="49" charset="-128"/>
               </a:rPr>
-              <a:t>実際の動作はすべて同じです。</a:t>
+              <a:t>実際の動作は全て同じです。</a:t>
             </a:r>
             <a:r>
               <a:rPr kumimoji="1" lang="en-US" altLang="ja-JP" dirty="0">
@@ -8823,7 +8864,7 @@
                 <a:latin typeface="ＭＳ ゴシック" panose="020B0609070205080204" pitchFamily="49" charset="-128"/>
                 <a:ea typeface="ＭＳ ゴシック" panose="020B0609070205080204" pitchFamily="49" charset="-128"/>
               </a:rPr>
-              <a:t>すべて同じ処理を違う記述で書くことが出来ます。</a:t>
+              <a:t>同じ動作を違う記述で書くことが全て出来ます。</a:t>
             </a:r>
             <a:endParaRPr kumimoji="1" lang="en-US" altLang="ja-JP" dirty="0">
               <a:solidFill>
@@ -8883,7 +8924,7 @@
         </p:nvSpPr>
         <p:spPr>
           <a:xfrm>
-            <a:off x="913775" y="618518"/>
+            <a:off x="913774" y="147501"/>
             <a:ext cx="10364451" cy="776650"/>
           </a:xfrm>
         </p:spPr>
@@ -10091,12 +10132,12 @@
             <a:r>
               <a:rPr kumimoji="1" lang="ja-JP" altLang="en-US" sz="1200" b="1" u="sng" dirty="0">
                 <a:solidFill>
-                  <a:schemeClr val="tx1"/>
-                </a:solidFill>
-                <a:latin typeface="ＭＳ ゴシック" panose="020B0609070205080204" pitchFamily="49" charset="-128"/>
-                <a:ea typeface="ＭＳ ゴシック" panose="020B0609070205080204" pitchFamily="49" charset="-128"/>
-              </a:rPr>
-              <a:t>呼び出す関数に次の処理自体（関数）自体も渡しておく</a:t>
+                  <a:srgbClr val="FF0000"/>
+                </a:solidFill>
+                <a:latin typeface="ＭＳ ゴシック" panose="020B0609070205080204" pitchFamily="49" charset="-128"/>
+                <a:ea typeface="ＭＳ ゴシック" panose="020B0609070205080204" pitchFamily="49" charset="-128"/>
+              </a:rPr>
+              <a:t>呼び出す関数に次の処理自体（関数）も渡しておく</a:t>
             </a:r>
             <a:r>
               <a:rPr kumimoji="1" lang="ja-JP" altLang="en-US" sz="1200" b="1" dirty="0">
@@ -10207,14 +10248,24 @@
                 <a:latin typeface="ＭＳ ゴシック" panose="020B0609070205080204" pitchFamily="49" charset="-128"/>
                 <a:ea typeface="ＭＳ ゴシック" panose="020B0609070205080204" pitchFamily="49" charset="-128"/>
               </a:rPr>
-              <a:t>    function(){</a:t>
-            </a:r>
-          </a:p>
-          <a:p>
-            <a:r>
-              <a:rPr kumimoji="1" lang="ja-JP" altLang="en-US" sz="1200" dirty="0">
-                <a:solidFill>
-                  <a:schemeClr val="tx1"/>
+              <a:t>    </a:t>
+            </a:r>
+            <a:r>
+              <a:rPr kumimoji="1" lang="en-US" altLang="ja-JP" sz="1200" b="1" dirty="0">
+                <a:solidFill>
+                  <a:srgbClr val="FF0000"/>
+                </a:solidFill>
+                <a:latin typeface="ＭＳ ゴシック" panose="020B0609070205080204" pitchFamily="49" charset="-128"/>
+                <a:ea typeface="ＭＳ ゴシック" panose="020B0609070205080204" pitchFamily="49" charset="-128"/>
+              </a:rPr>
+              <a:t>function(){</a:t>
+            </a:r>
+          </a:p>
+          <a:p>
+            <a:r>
+              <a:rPr kumimoji="1" lang="ja-JP" altLang="en-US" sz="1200" b="1" dirty="0">
+                <a:solidFill>
+                  <a:srgbClr val="FF0000"/>
                 </a:solidFill>
                 <a:latin typeface="ＭＳ ゴシック" panose="020B0609070205080204" pitchFamily="49" charset="-128"/>
                 <a:ea typeface="ＭＳ ゴシック" panose="020B0609070205080204" pitchFamily="49" charset="-128"/>
@@ -10222,9 +10273,9 @@
               <a:t>　　　　</a:t>
             </a:r>
             <a:r>
-              <a:rPr kumimoji="1" lang="en-US" altLang="ja-JP" sz="1200" dirty="0">
-                <a:solidFill>
-                  <a:schemeClr val="tx1"/>
+              <a:rPr kumimoji="1" lang="en-US" altLang="ja-JP" sz="1200" b="1" dirty="0">
+                <a:solidFill>
+                  <a:srgbClr val="FF0000"/>
                 </a:solidFill>
                 <a:latin typeface="ＭＳ ゴシック" panose="020B0609070205080204" pitchFamily="49" charset="-128"/>
                 <a:ea typeface="ＭＳ ゴシック" panose="020B0609070205080204" pitchFamily="49" charset="-128"/>
@@ -10232,9 +10283,9 @@
               <a:t>alert(“</a:t>
             </a:r>
             <a:r>
-              <a:rPr kumimoji="1" lang="ja-JP" altLang="en-US" sz="1200" dirty="0">
-                <a:solidFill>
-                  <a:schemeClr val="tx1"/>
+              <a:rPr kumimoji="1" lang="ja-JP" altLang="en-US" sz="1200" b="1" dirty="0">
+                <a:solidFill>
+                  <a:srgbClr val="FF0000"/>
                 </a:solidFill>
                 <a:latin typeface="ＭＳ ゴシック" panose="020B0609070205080204" pitchFamily="49" charset="-128"/>
                 <a:ea typeface="ＭＳ ゴシック" panose="020B0609070205080204" pitchFamily="49" charset="-128"/>
@@ -10242,9 +10293,9 @@
               <a:t>１０秒たった！</a:t>
             </a:r>
             <a:r>
-              <a:rPr kumimoji="1" lang="en-US" altLang="ja-JP" sz="1200" dirty="0">
-                <a:solidFill>
-                  <a:schemeClr val="tx1"/>
+              <a:rPr kumimoji="1" lang="en-US" altLang="ja-JP" sz="1200" b="1" dirty="0">
+                <a:solidFill>
+                  <a:srgbClr val="FF0000"/>
                 </a:solidFill>
                 <a:latin typeface="ＭＳ ゴシック" panose="020B0609070205080204" pitchFamily="49" charset="-128"/>
                 <a:ea typeface="ＭＳ ゴシック" panose="020B0609070205080204" pitchFamily="49" charset="-128"/>
@@ -10254,9 +10305,9 @@
           </a:p>
           <a:p>
             <a:r>
-              <a:rPr kumimoji="1" lang="ja-JP" altLang="en-US" sz="1200" dirty="0">
-                <a:solidFill>
-                  <a:schemeClr val="tx1"/>
+              <a:rPr kumimoji="1" lang="ja-JP" altLang="en-US" sz="1200" b="1" dirty="0">
+                <a:solidFill>
+                  <a:srgbClr val="FF0000"/>
                 </a:solidFill>
                 <a:latin typeface="ＭＳ ゴシック" panose="020B0609070205080204" pitchFamily="49" charset="-128"/>
                 <a:ea typeface="ＭＳ ゴシック" panose="020B0609070205080204" pitchFamily="49" charset="-128"/>
@@ -10264,9 +10315,9 @@
               <a:t>　　</a:t>
             </a:r>
             <a:r>
-              <a:rPr kumimoji="1" lang="en-US" altLang="ja-JP" sz="1200" dirty="0">
-                <a:solidFill>
-                  <a:schemeClr val="tx1"/>
+              <a:rPr kumimoji="1" lang="en-US" altLang="ja-JP" sz="1200" b="1" dirty="0">
+                <a:solidFill>
+                  <a:srgbClr val="FF0000"/>
                 </a:solidFill>
                 <a:latin typeface="ＭＳ ゴシック" panose="020B0609070205080204" pitchFamily="49" charset="-128"/>
                 <a:ea typeface="ＭＳ ゴシック" panose="020B0609070205080204" pitchFamily="49" charset="-128"/>
@@ -10868,16 +10919,6 @@
               <a:t>(</a:t>
             </a:r>
             <a:r>
-              <a:rPr kumimoji="1" lang="ja-JP" altLang="en-US" sz="1200" dirty="0" err="1">
-                <a:solidFill>
-                  <a:schemeClr val="tx1"/>
-                </a:solidFill>
-                <a:latin typeface="ＭＳ ゴシック" panose="020B0609070205080204" pitchFamily="49" charset="-128"/>
-                <a:ea typeface="ＭＳ ゴシック" panose="020B0609070205080204" pitchFamily="49" charset="-128"/>
-              </a:rPr>
-              <a:t>っと</a:t>
-            </a:r>
-            <a:r>
               <a:rPr kumimoji="1" lang="ja-JP" altLang="en-US" sz="1200" dirty="0">
                 <a:solidFill>
                   <a:schemeClr val="tx1"/>
@@ -10885,7 +10926,7 @@
                 <a:latin typeface="ＭＳ ゴシック" panose="020B0609070205080204" pitchFamily="49" charset="-128"/>
                 <a:ea typeface="ＭＳ ゴシック" panose="020B0609070205080204" pitchFamily="49" charset="-128"/>
               </a:rPr>
-              <a:t>想像する</a:t>
+              <a:t>っと想像する</a:t>
             </a:r>
             <a:r>
               <a:rPr kumimoji="1" lang="en-US" altLang="ja-JP" sz="1200" dirty="0">
@@ -11042,8 +11083,8 @@
         </p:nvSpPr>
         <p:spPr>
           <a:xfrm>
-            <a:off x="1248382" y="1112364"/>
-            <a:ext cx="10029841" cy="3299380"/>
+            <a:off x="1248382" y="1216058"/>
+            <a:ext cx="10029841" cy="3195686"/>
           </a:xfrm>
           <a:prstGeom prst="rect">
             <a:avLst/>
@@ -11113,6 +11154,16 @@
           </a:p>
           <a:p>
             <a:r>
+              <a:rPr kumimoji="1" lang="en-US" altLang="ja-JP" sz="1200" dirty="0">
+                <a:solidFill>
+                  <a:schemeClr val="tx1"/>
+                </a:solidFill>
+              </a:rPr>
+              <a:t>-------------------------------------------------------------------------------------------------------</a:t>
+            </a:r>
+          </a:p>
+          <a:p>
+            <a:r>
               <a:rPr kumimoji="1" lang="ja-JP" altLang="en-US" sz="1200" dirty="0">
                 <a:solidFill>
                   <a:schemeClr val="tx1"/>
@@ -11175,6 +11226,50 @@
             </a:endParaRPr>
           </a:p>
           <a:p>
+            <a:r>
+              <a:rPr kumimoji="1" lang="en-US" altLang="ja-JP" sz="1200" dirty="0">
+                <a:solidFill>
+                  <a:schemeClr val="tx1"/>
+                </a:solidFill>
+              </a:rPr>
+              <a:t>-------------------------------------------------------------------------------------------------------</a:t>
+            </a:r>
+          </a:p>
+          <a:p>
+            <a:r>
+              <a:rPr kumimoji="1" lang="ja-JP" altLang="en-US" sz="1200" dirty="0">
+                <a:solidFill>
+                  <a:schemeClr val="tx1"/>
+                </a:solidFill>
+              </a:rPr>
+              <a:t>２：画面表示後</a:t>
+            </a:r>
+            <a:r>
+              <a:rPr kumimoji="1" lang="en-US" altLang="ja-JP" sz="1200" dirty="0">
+                <a:solidFill>
+                  <a:schemeClr val="tx1"/>
+                </a:solidFill>
+              </a:rPr>
+              <a:t>【http://jenkins.cs-fact.com/demo/test01/】</a:t>
+            </a:r>
+            <a:r>
+              <a:rPr kumimoji="1" lang="ja-JP" altLang="en-US" sz="1200" dirty="0">
+                <a:solidFill>
+                  <a:schemeClr val="tx1"/>
+                </a:solidFill>
+              </a:rPr>
+              <a:t>にアクセスして</a:t>
+            </a:r>
+            <a:r>
+              <a:rPr kumimoji="1" lang="en-US" altLang="ja-JP" sz="1200" dirty="0">
+                <a:solidFill>
+                  <a:schemeClr val="tx1"/>
+                </a:solidFill>
+              </a:rPr>
+              <a:t>(JENKINS.CS-FACT.COM)</a:t>
+            </a:r>
+          </a:p>
+          <a:p>
             <a:endParaRPr kumimoji="1" lang="en-US" altLang="ja-JP" sz="1200" dirty="0">
               <a:solidFill>
                 <a:schemeClr val="tx1"/>
@@ -11188,7 +11283,7 @@
                   <a:schemeClr val="tx1"/>
                 </a:solidFill>
               </a:rPr>
-              <a:t>２：画面表示後</a:t>
+              <a:t>　　　成功したら、</a:t>
             </a:r>
             <a:r>
               <a:rPr kumimoji="1" lang="en-US" altLang="ja-JP" sz="1200" dirty="0">
@@ -11196,7 +11291,7 @@
                   <a:schemeClr val="tx1"/>
                 </a:solidFill>
               </a:rPr>
-              <a:t>【http://jenkins.cs-fact.com/demo/test01/】</a:t>
+              <a:t>【</a:t>
             </a:r>
             <a:r>
               <a:rPr kumimoji="1" lang="ja-JP" altLang="en-US" sz="1200" dirty="0">
@@ -11204,7 +11299,7 @@
                   <a:schemeClr val="tx1"/>
                 </a:solidFill>
               </a:rPr>
-              <a:t>にアクセスして</a:t>
+              <a:t>成功しました１！</a:t>
             </a:r>
             <a:r>
               <a:rPr kumimoji="1" lang="en-US" altLang="ja-JP" sz="1200" dirty="0">
@@ -11212,10 +11307,50 @@
                   <a:schemeClr val="tx1"/>
                 </a:solidFill>
               </a:rPr>
-              <a:t>(JENKINS.CS-FACT.COM)</a:t>
-            </a:r>
-          </a:p>
-          <a:p>
+              <a:t>】</a:t>
+            </a:r>
+          </a:p>
+          <a:p>
+            <a:r>
+              <a:rPr kumimoji="1" lang="ja-JP" altLang="en-US" sz="1200" dirty="0">
+                <a:solidFill>
+                  <a:schemeClr val="tx1"/>
+                </a:solidFill>
+              </a:rPr>
+              <a:t>　　　エラーだったら、</a:t>
+            </a:r>
+            <a:r>
+              <a:rPr kumimoji="1" lang="en-US" altLang="ja-JP" sz="1200" dirty="0">
+                <a:solidFill>
+                  <a:schemeClr val="tx1"/>
+                </a:solidFill>
+              </a:rPr>
+              <a:t>【</a:t>
+            </a:r>
+            <a:r>
+              <a:rPr kumimoji="1" lang="ja-JP" altLang="en-US" sz="1200" dirty="0">
+                <a:solidFill>
+                  <a:schemeClr val="tx1"/>
+                </a:solidFill>
+              </a:rPr>
+              <a:t>なにかが失敗した</a:t>
+            </a:r>
+            <a:r>
+              <a:rPr kumimoji="1" lang="en-US" altLang="ja-JP" sz="1200" dirty="0">
+                <a:solidFill>
+                  <a:schemeClr val="tx1"/>
+                </a:solidFill>
+              </a:rPr>
+              <a:t>】</a:t>
+            </a:r>
+            <a:r>
+              <a:rPr kumimoji="1" lang="ja-JP" altLang="en-US" sz="1200" dirty="0">
+                <a:solidFill>
+                  <a:schemeClr val="tx1"/>
+                </a:solidFill>
+              </a:rPr>
+              <a:t>を表示する。</a:t>
+            </a:r>
             <a:endParaRPr kumimoji="1" lang="en-US" altLang="ja-JP" sz="1200" dirty="0">
               <a:solidFill>
                 <a:schemeClr val="tx1"/>
@@ -11224,12 +11359,22 @@
           </a:p>
           <a:p>
             <a:r>
+              <a:rPr kumimoji="1" lang="en-US" altLang="ja-JP" sz="1200" dirty="0">
+                <a:solidFill>
+                  <a:schemeClr val="tx1"/>
+                </a:solidFill>
+              </a:rPr>
+              <a:t>-------------------------------------------------------------------------------------------------------</a:t>
+            </a:r>
+          </a:p>
+          <a:p>
+            <a:r>
               <a:rPr kumimoji="1" lang="ja-JP" altLang="en-US" sz="1200" dirty="0">
                 <a:solidFill>
                   <a:schemeClr val="tx1"/>
                 </a:solidFill>
               </a:rPr>
-              <a:t>　　　成功したら、</a:t>
+              <a:t>３－１：　２で成功したらその後３秒待って画面に</a:t>
             </a:r>
             <a:r>
               <a:rPr kumimoji="1" lang="en-US" altLang="ja-JP" sz="1200" dirty="0">
@@ -11237,7 +11382,7 @@
                   <a:schemeClr val="tx1"/>
                 </a:solidFill>
               </a:rPr>
-              <a:t>【</a:t>
+              <a:t>【3</a:t>
             </a:r>
             <a:r>
               <a:rPr kumimoji="1" lang="ja-JP" altLang="en-US" sz="1200" dirty="0">
@@ -11245,7 +11390,7 @@
                   <a:schemeClr val="tx1"/>
                 </a:solidFill>
               </a:rPr>
-              <a:t>成功しました１！</a:t>
+              <a:t>秒たったので通信します！</a:t>
             </a:r>
             <a:r>
               <a:rPr kumimoji="1" lang="en-US" altLang="ja-JP" sz="1200" dirty="0">
@@ -11255,47 +11400,13 @@
               </a:rPr>
               <a:t>】</a:t>
             </a:r>
-          </a:p>
-          <a:p>
             <a:r>
               <a:rPr kumimoji="1" lang="ja-JP" altLang="en-US" sz="1200" dirty="0">
                 <a:solidFill>
                   <a:schemeClr val="tx1"/>
                 </a:solidFill>
               </a:rPr>
-              <a:t>　　　エラーだったら、</a:t>
-            </a:r>
-            <a:r>
-              <a:rPr kumimoji="1" lang="en-US" altLang="ja-JP" sz="1200" dirty="0">
-                <a:solidFill>
-                  <a:schemeClr val="tx1"/>
-                </a:solidFill>
-              </a:rPr>
-              <a:t>【</a:t>
-            </a:r>
-            <a:r>
-              <a:rPr kumimoji="1" lang="ja-JP" altLang="en-US" sz="1200" dirty="0">
-                <a:solidFill>
-                  <a:schemeClr val="tx1"/>
-                </a:solidFill>
-              </a:rPr>
-              <a:t>なにかが失敗した</a:t>
-            </a:r>
-            <a:r>
-              <a:rPr kumimoji="1" lang="en-US" altLang="ja-JP" sz="1200" dirty="0">
-                <a:solidFill>
-                  <a:schemeClr val="tx1"/>
-                </a:solidFill>
-              </a:rPr>
-              <a:t>】</a:t>
-            </a:r>
-            <a:r>
-              <a:rPr kumimoji="1" lang="ja-JP" altLang="en-US" sz="1200" dirty="0">
-                <a:solidFill>
-                  <a:schemeClr val="tx1"/>
-                </a:solidFill>
-              </a:rPr>
-              <a:t>を表示する。</a:t>
+              <a:t>を表示。</a:t>
             </a:r>
             <a:endParaRPr kumimoji="1" lang="en-US" altLang="ja-JP" sz="1200" dirty="0">
               <a:solidFill>
@@ -11304,6 +11415,62 @@
             </a:endParaRPr>
           </a:p>
           <a:p>
+            <a:r>
+              <a:rPr kumimoji="1" lang="ja-JP" altLang="en-US" sz="1200" dirty="0">
+                <a:solidFill>
+                  <a:schemeClr val="tx1"/>
+                </a:solidFill>
+              </a:rPr>
+              <a:t>３－２：　２でしっぱいしたらその後３秒まって画面に</a:t>
+            </a:r>
+            <a:r>
+              <a:rPr kumimoji="1" lang="en-US" altLang="ja-JP" sz="1200" dirty="0">
+                <a:solidFill>
+                  <a:schemeClr val="tx1"/>
+                </a:solidFill>
+              </a:rPr>
+              <a:t>【</a:t>
+            </a:r>
+            <a:r>
+              <a:rPr kumimoji="1" lang="ja-JP" altLang="en-US" sz="1200" dirty="0">
+                <a:solidFill>
+                  <a:schemeClr val="tx1"/>
+                </a:solidFill>
+              </a:rPr>
+              <a:t>失敗したけど</a:t>
+            </a:r>
+            <a:r>
+              <a:rPr kumimoji="1" lang="en-US" altLang="ja-JP" sz="1200" dirty="0">
+                <a:solidFill>
+                  <a:schemeClr val="tx1"/>
+                </a:solidFill>
+              </a:rPr>
+              <a:t>3</a:t>
+            </a:r>
+            <a:r>
+              <a:rPr kumimoji="1" lang="ja-JP" altLang="en-US" sz="1200" dirty="0">
+                <a:solidFill>
+                  <a:schemeClr val="tx1"/>
+                </a:solidFill>
+              </a:rPr>
+              <a:t>秒たったので通信します！</a:t>
+            </a:r>
+            <a:r>
+              <a:rPr kumimoji="1" lang="en-US" altLang="ja-JP" sz="1200" dirty="0">
+                <a:solidFill>
+                  <a:schemeClr val="tx1"/>
+                </a:solidFill>
+              </a:rPr>
+              <a:t>】</a:t>
+            </a:r>
+            <a:r>
+              <a:rPr kumimoji="1" lang="ja-JP" altLang="en-US" sz="1200" dirty="0">
+                <a:solidFill>
+                  <a:schemeClr val="tx1"/>
+                </a:solidFill>
+              </a:rPr>
+              <a:t>を表示。</a:t>
+            </a:r>
             <a:endParaRPr kumimoji="1" lang="en-US" altLang="ja-JP" sz="1200" dirty="0">
               <a:solidFill>
                 <a:schemeClr val="tx1"/>
@@ -11312,44 +11479,22 @@
           </a:p>
           <a:p>
             <a:r>
+              <a:rPr kumimoji="1" lang="en-US" altLang="ja-JP" sz="1200" dirty="0">
+                <a:solidFill>
+                  <a:schemeClr val="tx1"/>
+                </a:solidFill>
+              </a:rPr>
+              <a:t>-------------------------------------------------------------------------------------------------------</a:t>
+            </a:r>
+          </a:p>
+          <a:p>
+            <a:r>
               <a:rPr kumimoji="1" lang="ja-JP" altLang="en-US" sz="1200" dirty="0">
                 <a:solidFill>
                   <a:schemeClr val="tx1"/>
                 </a:solidFill>
               </a:rPr>
-              <a:t>３－１：　２で成功したらその後３秒待って画面に</a:t>
-            </a:r>
-            <a:r>
-              <a:rPr kumimoji="1" lang="en-US" altLang="ja-JP" sz="1200" dirty="0">
-                <a:solidFill>
-                  <a:schemeClr val="tx1"/>
-                </a:solidFill>
-              </a:rPr>
-              <a:t>【3</a:t>
-            </a:r>
-            <a:r>
-              <a:rPr kumimoji="1" lang="ja-JP" altLang="en-US" sz="1200" dirty="0">
-                <a:solidFill>
-                  <a:schemeClr val="tx1"/>
-                </a:solidFill>
-              </a:rPr>
-              <a:t>秒たったので通信します！</a:t>
-            </a:r>
-            <a:r>
-              <a:rPr kumimoji="1" lang="en-US" altLang="ja-JP" sz="1200" dirty="0">
-                <a:solidFill>
-                  <a:schemeClr val="tx1"/>
-                </a:solidFill>
-              </a:rPr>
-              <a:t>】</a:t>
-            </a:r>
-            <a:r>
-              <a:rPr kumimoji="1" lang="ja-JP" altLang="en-US" sz="1200" dirty="0">
-                <a:solidFill>
-                  <a:schemeClr val="tx1"/>
-                </a:solidFill>
-              </a:rPr>
-              <a:t>を表示。</a:t>
+              <a:t>４：３完了後</a:t>
             </a:r>
             <a:endParaRPr kumimoji="1" lang="en-US" altLang="ja-JP" sz="1200" dirty="0">
               <a:solidFill>
@@ -11359,12 +11504,20 @@
           </a:p>
           <a:p>
             <a:r>
+              <a:rPr kumimoji="1" lang="en-US" altLang="ja-JP" sz="1200" dirty="0">
+                <a:solidFill>
+                  <a:schemeClr val="tx1"/>
+                </a:solidFill>
+              </a:rPr>
+              <a:t>       【http://jenkins.cs-fact.com/demo/test02/】</a:t>
+            </a:r>
+            <a:r>
               <a:rPr kumimoji="1" lang="ja-JP" altLang="en-US" sz="1200" dirty="0">
                 <a:solidFill>
                   <a:schemeClr val="tx1"/>
                 </a:solidFill>
               </a:rPr>
-              <a:t>３－２：　２でしっぱいしたらその後３秒まって画面に</a:t>
+              <a:t>にアクセスして</a:t>
             </a:r>
             <a:r>
               <a:rPr kumimoji="1" lang="en-US" altLang="ja-JP" sz="1200" dirty="0">
@@ -11372,6 +11525,24 @@
                   <a:schemeClr val="tx1"/>
                 </a:solidFill>
               </a:rPr>
+              <a:t>(JENKINS.CS-FACT.COM)</a:t>
+            </a:r>
+          </a:p>
+          <a:p>
+            <a:r>
+              <a:rPr kumimoji="1" lang="ja-JP" altLang="en-US" sz="1200" dirty="0">
+                <a:solidFill>
+                  <a:schemeClr val="tx1"/>
+                </a:solidFill>
+              </a:rPr>
+              <a:t>　　　成功したら、</a:t>
+            </a:r>
+            <a:r>
+              <a:rPr kumimoji="1" lang="en-US" altLang="ja-JP" sz="1200" dirty="0">
+                <a:solidFill>
+                  <a:schemeClr val="tx1"/>
+                </a:solidFill>
+              </a:rPr>
               <a:t>【</a:t>
             </a:r>
             <a:r>
@@ -11380,7 +11551,7 @@
                   <a:schemeClr val="tx1"/>
                 </a:solidFill>
               </a:rPr>
-              <a:t>失敗したけど</a:t>
+              <a:t>成功しました２！</a:t>
             </a:r>
             <a:r>
               <a:rPr kumimoji="1" lang="en-US" altLang="ja-JP" sz="1200" dirty="0">
@@ -11388,15 +11559,17 @@
                   <a:schemeClr val="tx1"/>
                 </a:solidFill>
               </a:rPr>
-              <a:t>3</a:t>
-            </a:r>
+              <a:t>】</a:t>
+            </a:r>
+          </a:p>
+          <a:p>
             <a:r>
               <a:rPr kumimoji="1" lang="ja-JP" altLang="en-US" sz="1200" dirty="0">
                 <a:solidFill>
                   <a:schemeClr val="tx1"/>
                 </a:solidFill>
               </a:rPr>
-              <a:t>秒たったので通信します！</a:t>
+              <a:t>　　　エラーだったら、</a:t>
             </a:r>
             <a:r>
               <a:rPr kumimoji="1" lang="en-US" altLang="ja-JP" sz="1200" dirty="0">
@@ -11404,6 +11577,22 @@
                   <a:schemeClr val="tx1"/>
                 </a:solidFill>
               </a:rPr>
+              <a:t>【</a:t>
+            </a:r>
+            <a:r>
+              <a:rPr kumimoji="1" lang="ja-JP" altLang="en-US" sz="1200" dirty="0">
+                <a:solidFill>
+                  <a:schemeClr val="tx1"/>
+                </a:solidFill>
+              </a:rPr>
+              <a:t>なにかが失敗した</a:t>
+            </a:r>
+            <a:r>
+              <a:rPr kumimoji="1" lang="en-US" altLang="ja-JP" sz="1200" dirty="0">
+                <a:solidFill>
+                  <a:schemeClr val="tx1"/>
+                </a:solidFill>
+              </a:rPr>
               <a:t>】</a:t>
             </a:r>
             <a:r>
@@ -11412,7 +11601,7 @@
                   <a:schemeClr val="tx1"/>
                 </a:solidFill>
               </a:rPr>
-              <a:t>を表示。</a:t>
+              <a:t>を表示する。</a:t>
             </a:r>
             <a:endParaRPr kumimoji="1" lang="en-US" altLang="ja-JP" sz="1200" dirty="0">
               <a:solidFill>
@@ -11422,132 +11611,13 @@
           </a:p>
           <a:p>
             <a:r>
-              <a:rPr kumimoji="1" lang="ja-JP" altLang="en-US" sz="1200" dirty="0">
-                <a:solidFill>
-                  <a:schemeClr val="tx1"/>
-                </a:solidFill>
-              </a:rPr>
-              <a:t>４：３完了後</a:t>
-            </a:r>
-            <a:endParaRPr kumimoji="1" lang="en-US" altLang="ja-JP" sz="1200" dirty="0">
-              <a:solidFill>
-                <a:schemeClr val="tx1"/>
-              </a:solidFill>
-            </a:endParaRPr>
-          </a:p>
-          <a:p>
-            <a:r>
               <a:rPr kumimoji="1" lang="en-US" altLang="ja-JP" sz="1200" dirty="0">
                 <a:solidFill>
                   <a:schemeClr val="tx1"/>
                 </a:solidFill>
               </a:rPr>
-              <a:t>       【http://jenkins.cs-fact.com/demo/test02/】</a:t>
-            </a:r>
-            <a:r>
-              <a:rPr kumimoji="1" lang="ja-JP" altLang="en-US" sz="1200" dirty="0">
-                <a:solidFill>
-                  <a:schemeClr val="tx1"/>
-                </a:solidFill>
-              </a:rPr>
-              <a:t>にアクセスして</a:t>
-            </a:r>
-            <a:r>
-              <a:rPr kumimoji="1" lang="en-US" altLang="ja-JP" sz="1200" dirty="0">
-                <a:solidFill>
-                  <a:schemeClr val="tx1"/>
-                </a:solidFill>
-              </a:rPr>
-              <a:t>(JENKINS.CS-FACT.COM)</a:t>
-            </a:r>
-          </a:p>
-          <a:p>
-            <a:r>
-              <a:rPr kumimoji="1" lang="ja-JP" altLang="en-US" sz="1200" dirty="0">
-                <a:solidFill>
-                  <a:schemeClr val="tx1"/>
-                </a:solidFill>
-              </a:rPr>
-              <a:t>　　　成功したら、</a:t>
-            </a:r>
-            <a:r>
-              <a:rPr kumimoji="1" lang="en-US" altLang="ja-JP" sz="1200" dirty="0">
-                <a:solidFill>
-                  <a:schemeClr val="tx1"/>
-                </a:solidFill>
-              </a:rPr>
-              <a:t>【</a:t>
-            </a:r>
-            <a:r>
-              <a:rPr kumimoji="1" lang="ja-JP" altLang="en-US" sz="1200" dirty="0">
-                <a:solidFill>
-                  <a:schemeClr val="tx1"/>
-                </a:solidFill>
-              </a:rPr>
-              <a:t>成功しました２！</a:t>
-            </a:r>
-            <a:r>
-              <a:rPr kumimoji="1" lang="en-US" altLang="ja-JP" sz="1200" dirty="0">
-                <a:solidFill>
-                  <a:schemeClr val="tx1"/>
-                </a:solidFill>
-              </a:rPr>
-              <a:t>】</a:t>
-            </a:r>
-          </a:p>
-          <a:p>
-            <a:r>
-              <a:rPr kumimoji="1" lang="ja-JP" altLang="en-US" sz="1200" dirty="0">
-                <a:solidFill>
-                  <a:schemeClr val="tx1"/>
-                </a:solidFill>
-              </a:rPr>
-              <a:t>　　　エラーだったら、</a:t>
-            </a:r>
-            <a:r>
-              <a:rPr kumimoji="1" lang="en-US" altLang="ja-JP" sz="1200" dirty="0">
-                <a:solidFill>
-                  <a:schemeClr val="tx1"/>
-                </a:solidFill>
-              </a:rPr>
-              <a:t>【</a:t>
-            </a:r>
-            <a:r>
-              <a:rPr kumimoji="1" lang="ja-JP" altLang="en-US" sz="1200" dirty="0">
-                <a:solidFill>
-                  <a:schemeClr val="tx1"/>
-                </a:solidFill>
-              </a:rPr>
-              <a:t>なにかが失敗した</a:t>
-            </a:r>
-            <a:r>
-              <a:rPr kumimoji="1" lang="en-US" altLang="ja-JP" sz="1200" dirty="0">
-                <a:solidFill>
-                  <a:schemeClr val="tx1"/>
-                </a:solidFill>
-              </a:rPr>
-              <a:t>】</a:t>
-            </a:r>
-            <a:r>
-              <a:rPr kumimoji="1" lang="ja-JP" altLang="en-US" sz="1200" dirty="0">
-                <a:solidFill>
-                  <a:schemeClr val="tx1"/>
-                </a:solidFill>
-              </a:rPr>
-              <a:t>を表示する。</a:t>
-            </a:r>
-            <a:endParaRPr kumimoji="1" lang="en-US" altLang="ja-JP" sz="1200" dirty="0">
-              <a:solidFill>
-                <a:schemeClr val="tx1"/>
-              </a:solidFill>
-            </a:endParaRPr>
-          </a:p>
-          <a:p>
-            <a:endParaRPr kumimoji="1" lang="en-US" altLang="ja-JP" sz="1200" dirty="0">
-              <a:solidFill>
-                <a:schemeClr val="tx1"/>
-              </a:solidFill>
-            </a:endParaRPr>
+              <a:t>-------------------------------------------------------------------------------------------------------</a:t>
+            </a:r>
           </a:p>
         </p:txBody>
       </p:sp>
@@ -11642,8 +11712,8 @@
         </p:nvSpPr>
         <p:spPr>
           <a:xfrm>
-            <a:off x="1248382" y="4858912"/>
-            <a:ext cx="10029841" cy="943587"/>
+            <a:off x="1248382" y="4772709"/>
+            <a:ext cx="10029841" cy="768586"/>
           </a:xfrm>
           <a:prstGeom prst="rect">
             <a:avLst/>
@@ -11769,8 +11839,8 @@
         </p:nvSpPr>
         <p:spPr>
           <a:xfrm>
-            <a:off x="1248382" y="5914415"/>
-            <a:ext cx="10029841" cy="943586"/>
+            <a:off x="1248382" y="5541295"/>
+            <a:ext cx="10029841" cy="1316706"/>
           </a:xfrm>
           <a:prstGeom prst="rect">
             <a:avLst/>
@@ -11824,7 +11894,7 @@
           </a:p>
           <a:p>
             <a:r>
-              <a:rPr kumimoji="1" lang="en-US" altLang="ja-JP" sz="1200" b="1" dirty="0">
+              <a:rPr kumimoji="1" lang="en-US" altLang="ja-JP" sz="1500" b="1" u="sng" dirty="0">
                 <a:solidFill>
                   <a:schemeClr val="tx1"/>
                 </a:solidFill>
@@ -11872,7 +11942,7 @@
           </a:p>
           <a:p>
             <a:r>
-              <a:rPr kumimoji="1" lang="en-US" altLang="ja-JP" sz="1200" b="1" dirty="0">
+              <a:rPr kumimoji="1" lang="en-US" altLang="ja-JP" sz="1500" b="1" u="sng" dirty="0">
                 <a:solidFill>
                   <a:schemeClr val="tx1"/>
                 </a:solidFill>
@@ -12537,27 +12607,7 @@
                 <a:latin typeface="ＭＳ ゴシック" panose="020B0609070205080204" pitchFamily="49" charset="-128"/>
                 <a:ea typeface="ＭＳ ゴシック" panose="020B0609070205080204" pitchFamily="49" charset="-128"/>
               </a:rPr>
-              <a:t>に制御を</a:t>
-            </a:r>
-            <a:r>
-              <a:rPr kumimoji="1" lang="ja-JP" altLang="en-US" sz="1200" dirty="0" err="1">
-                <a:solidFill>
-                  <a:schemeClr val="tx1"/>
-                </a:solidFill>
-                <a:latin typeface="ＭＳ ゴシック" panose="020B0609070205080204" pitchFamily="49" charset="-128"/>
-                <a:ea typeface="ＭＳ ゴシック" panose="020B0609070205080204" pitchFamily="49" charset="-128"/>
-              </a:rPr>
-              <a:t>戻すを</a:t>
-            </a:r>
-            <a:r>
-              <a:rPr kumimoji="1" lang="ja-JP" altLang="en-US" sz="1200" dirty="0">
-                <a:solidFill>
-                  <a:schemeClr val="tx1"/>
-                </a:solidFill>
-                <a:latin typeface="ＭＳ ゴシック" panose="020B0609070205080204" pitchFamily="49" charset="-128"/>
-                <a:ea typeface="ＭＳ ゴシック" panose="020B0609070205080204" pitchFamily="49" charset="-128"/>
-              </a:rPr>
-              <a:t>繰り返します。</a:t>
+              <a:t>に制御を戻すを繰り返します。</a:t>
             </a:r>
             <a:endParaRPr kumimoji="1" lang="en-US" altLang="ja-JP" sz="1200" dirty="0">
               <a:solidFill>
@@ -14710,7 +14760,7 @@
                 <a:latin typeface="ＭＳ ゴシック" panose="020B0609070205080204" pitchFamily="49" charset="-128"/>
                 <a:ea typeface="ＭＳ ゴシック" panose="020B0609070205080204" pitchFamily="49" charset="-128"/>
               </a:rPr>
-              <a:t>が事実上の一択（</a:t>
+              <a:t>が事実上の一択（実は</a:t>
             </a:r>
             <a:r>
               <a:rPr lang="en-US" altLang="ja-JP" sz="2000" dirty="0">
@@ -14720,6 +14770,26 @@
                 <a:latin typeface="ＭＳ ゴシック" panose="020B0609070205080204" pitchFamily="49" charset="-128"/>
                 <a:ea typeface="ＭＳ ゴシック" panose="020B0609070205080204" pitchFamily="49" charset="-128"/>
               </a:rPr>
+              <a:t>IE</a:t>
+            </a:r>
+            <a:r>
+              <a:rPr lang="ja-JP" altLang="en-US" sz="2000" dirty="0">
+                <a:solidFill>
+                  <a:schemeClr val="tx1"/>
+                </a:solidFill>
+                <a:latin typeface="ＭＳ ゴシック" panose="020B0609070205080204" pitchFamily="49" charset="-128"/>
+                <a:ea typeface="ＭＳ ゴシック" panose="020B0609070205080204" pitchFamily="49" charset="-128"/>
+              </a:rPr>
+              <a:t>では</a:t>
+            </a:r>
+            <a:r>
+              <a:rPr lang="en-US" altLang="ja-JP" sz="2000" dirty="0" err="1">
+                <a:solidFill>
+                  <a:schemeClr val="tx1"/>
+                </a:solidFill>
+                <a:latin typeface="ＭＳ ゴシック" panose="020B0609070205080204" pitchFamily="49" charset="-128"/>
+                <a:ea typeface="ＭＳ ゴシック" panose="020B0609070205080204" pitchFamily="49" charset="-128"/>
+              </a:rPr>
               <a:t>vbscript</a:t>
             </a:r>
             <a:r>
@@ -14730,7 +14800,7 @@
                 <a:latin typeface="ＭＳ ゴシック" panose="020B0609070205080204" pitchFamily="49" charset="-128"/>
                 <a:ea typeface="ＭＳ ゴシック" panose="020B0609070205080204" pitchFamily="49" charset="-128"/>
               </a:rPr>
-              <a:t>もあるよ。。。</a:t>
+              <a:t>も現役です</a:t>
             </a:r>
             <a:r>
               <a:rPr lang="en-US" altLang="ja-JP" sz="2000" dirty="0">
@@ -14800,7 +14870,7 @@
             </a:endParaRPr>
           </a:p>
           <a:p>
-            <a:endParaRPr kumimoji="1" lang="en-US" altLang="ja-JP" sz="2000" dirty="0">
+            <a:endParaRPr kumimoji="1" lang="en-US" altLang="ja-JP" sz="1000" dirty="0">
               <a:solidFill>
                 <a:schemeClr val="tx1"/>
               </a:solidFill>
@@ -14810,7 +14880,7 @@
           </a:p>
           <a:p>
             <a:r>
-              <a:rPr kumimoji="1" lang="en-US" altLang="ja-JP" sz="1500" dirty="0">
+              <a:rPr kumimoji="1" lang="en-US" altLang="ja-JP" sz="1000" dirty="0">
                 <a:solidFill>
                   <a:schemeClr val="tx1"/>
                 </a:solidFill>
@@ -14820,7 +14890,7 @@
               <a:t>※</a:t>
             </a:r>
             <a:r>
-              <a:rPr kumimoji="1" lang="ja-JP" altLang="en-US" sz="1500" dirty="0">
+              <a:rPr kumimoji="1" lang="ja-JP" altLang="en-US" sz="1000" dirty="0">
                 <a:solidFill>
                   <a:schemeClr val="tx1"/>
                 </a:solidFill>
@@ -14830,7 +14900,7 @@
               <a:t>クラスの型を保証し、開発環境でコード保管したいなら</a:t>
             </a:r>
             <a:r>
-              <a:rPr kumimoji="1" lang="en-US" altLang="ja-JP" sz="1500" dirty="0">
+              <a:rPr kumimoji="1" lang="en-US" altLang="ja-JP" sz="1000" dirty="0">
                 <a:solidFill>
                   <a:schemeClr val="tx1"/>
                 </a:solidFill>
@@ -14840,7 +14910,7 @@
               <a:t>TypeScript</a:t>
             </a:r>
             <a:r>
-              <a:rPr kumimoji="1" lang="ja-JP" altLang="en-US" sz="1500" dirty="0">
+              <a:rPr kumimoji="1" lang="ja-JP" altLang="en-US" sz="1000" dirty="0">
                 <a:solidFill>
                   <a:schemeClr val="tx1"/>
                 </a:solidFill>
@@ -14849,7 +14919,7 @@
               </a:rPr>
               <a:t>で。</a:t>
             </a:r>
-            <a:endParaRPr kumimoji="1" lang="en-US" altLang="ja-JP" sz="1500" dirty="0">
+            <a:endParaRPr kumimoji="1" lang="en-US" altLang="ja-JP" sz="1000" dirty="0">
               <a:solidFill>
                 <a:schemeClr val="tx1"/>
               </a:solidFill>
@@ -14859,7 +14929,7 @@
           </a:p>
           <a:p>
             <a:r>
-              <a:rPr kumimoji="1" lang="ja-JP" altLang="en-US" sz="1500" dirty="0">
+              <a:rPr kumimoji="1" lang="ja-JP" altLang="en-US" sz="1000" dirty="0">
                 <a:solidFill>
                   <a:schemeClr val="tx1"/>
                 </a:solidFill>
@@ -14868,9 +14938,7 @@
               </a:rPr>
               <a:t>コンパイル（トランスパイル）で存在しないメソッドコール等エラーとしてくれます。</a:t>
             </a:r>
-          </a:p>
-          <a:p>
-            <a:endParaRPr kumimoji="1" lang="en-US" altLang="ja-JP" sz="2000" dirty="0">
+            <a:endParaRPr kumimoji="1" lang="en-US" altLang="ja-JP" sz="1000" dirty="0">
               <a:solidFill>
                 <a:schemeClr val="tx1"/>
               </a:solidFill>
@@ -14993,7 +15061,7 @@
                 <a:latin typeface="ＭＳ ゴシック" panose="020B0609070205080204" pitchFamily="49" charset="-128"/>
                 <a:ea typeface="ＭＳ ゴシック" panose="020B0609070205080204" pitchFamily="49" charset="-128"/>
               </a:rPr>
-              <a:t>自体の複雑さを更に軽減した</a:t>
+              <a:t>自体の複雑さは実際のコーディングではましてしまいます。</a:t>
             </a:r>
             <a:endParaRPr kumimoji="1" lang="en-US" altLang="ja-JP" sz="1200" b="1" dirty="0">
               <a:solidFill>
@@ -15004,6 +15072,16 @@
             </a:endParaRPr>
           </a:p>
           <a:p>
+            <a:r>
+              <a:rPr kumimoji="1" lang="ja-JP" altLang="en-US" sz="1200" b="1" dirty="0">
+                <a:solidFill>
+                  <a:schemeClr val="tx1"/>
+                </a:solidFill>
+                <a:latin typeface="ＭＳ ゴシック" panose="020B0609070205080204" pitchFamily="49" charset="-128"/>
+                <a:ea typeface="ＭＳ ゴシック" panose="020B0609070205080204" pitchFamily="49" charset="-128"/>
+              </a:rPr>
+              <a:t>更に軽減した</a:t>
+            </a:r>
             <a:r>
               <a:rPr kumimoji="1" lang="en-US" altLang="ja-JP" sz="1200" b="1" dirty="0">
                 <a:solidFill>
@@ -15674,7 +15752,7 @@
         <p:spPr>
           <a:xfrm>
             <a:off x="1112363" y="2912278"/>
-            <a:ext cx="9992412" cy="3139321"/>
+            <a:ext cx="9992412" cy="2862322"/>
           </a:xfrm>
           <a:prstGeom prst="rect">
             <a:avLst/>
@@ -15774,9 +15852,6 @@
             <a:endParaRPr kumimoji="1" lang="en-US" altLang="ja-JP" dirty="0"/>
           </a:p>
           <a:p>
-            <a:endParaRPr kumimoji="1" lang="en-US" altLang="ja-JP" dirty="0"/>
-          </a:p>
-          <a:p>
             <a:r>
               <a:rPr kumimoji="1" lang="en-US" altLang="ja-JP" dirty="0"/>
               <a:t>※JavaScript</a:t>
@@ -15806,11 +15881,7 @@
             </a:r>
             <a:r>
               <a:rPr kumimoji="1" lang="ja-JP" altLang="en-US" dirty="0"/>
-              <a:t>処理</a:t>
-            </a:r>
-            <a:r>
-              <a:rPr kumimoji="1" lang="ja-JP" altLang="en-US"/>
-              <a:t>をブロックしないようにするため）</a:t>
+              <a:t>処理をブロックしないようにするため）</a:t>
             </a:r>
             <a:endParaRPr kumimoji="1" lang="en-US" altLang="ja-JP" dirty="0"/>
           </a:p>
@@ -15851,6 +15922,109 @@
     <p:extLst>
       <p:ext uri="{BB962C8B-B14F-4D97-AF65-F5344CB8AC3E}">
         <p14:creationId xmlns:p14="http://schemas.microsoft.com/office/powerpoint/2010/main" val="2031081184"/>
+      </p:ext>
+    </p:extLst>
+  </p:cSld>
+  <p:clrMapOvr>
+    <a:masterClrMapping/>
+  </p:clrMapOvr>
+</p:sld>
+</file>
+
+<file path=ppt/slides/slide23.xml><?xml version="1.0" encoding="utf-8"?>
+<p:sld xmlns:a="http://schemas.openxmlformats.org/drawingml/2006/main" xmlns:r="http://schemas.openxmlformats.org/officeDocument/2006/relationships" xmlns:p="http://schemas.openxmlformats.org/presentationml/2006/main">
+  <p:cSld>
+    <p:spTree>
+      <p:nvGrpSpPr>
+        <p:cNvPr id="1" name=""/>
+        <p:cNvGrpSpPr/>
+        <p:nvPr/>
+      </p:nvGrpSpPr>
+      <p:grpSpPr>
+        <a:xfrm>
+          <a:off x="0" y="0"/>
+          <a:ext cx="0" cy="0"/>
+          <a:chOff x="0" y="0"/>
+          <a:chExt cx="0" cy="0"/>
+        </a:xfrm>
+      </p:grpSpPr>
+      <p:sp>
+        <p:nvSpPr>
+          <p:cNvPr id="2" name="タイトル 1">
+            <a:extLst>
+              <a:ext uri="{FF2B5EF4-FFF2-40B4-BE49-F238E27FC236}">
+                <a16:creationId xmlns:a16="http://schemas.microsoft.com/office/drawing/2014/main" id="{AF95579B-9C8F-4F15-9040-E3797EAF3252}"/>
+              </a:ext>
+            </a:extLst>
+          </p:cNvPr>
+          <p:cNvSpPr>
+            <a:spLocks noGrp="1"/>
+          </p:cNvSpPr>
+          <p:nvPr>
+            <p:ph type="title"/>
+          </p:nvPr>
+        </p:nvSpPr>
+        <p:spPr/>
+        <p:txBody>
+          <a:bodyPr/>
+          <a:lstStyle/>
+          <a:p>
+            <a:r>
+              <a:rPr kumimoji="1" lang="ja-JP" altLang="en-US"/>
+              <a:t>おまけ</a:t>
+            </a:r>
+            <a:endParaRPr kumimoji="1" lang="ja-JP" altLang="en-US" dirty="0"/>
+          </a:p>
+        </p:txBody>
+      </p:sp>
+      <p:sp>
+        <p:nvSpPr>
+          <p:cNvPr id="3" name="正方形/長方形 2">
+            <a:extLst>
+              <a:ext uri="{FF2B5EF4-FFF2-40B4-BE49-F238E27FC236}">
+                <a16:creationId xmlns:a16="http://schemas.microsoft.com/office/drawing/2014/main" id="{2737290F-EDF9-46D2-B854-235451570101}"/>
+              </a:ext>
+            </a:extLst>
+          </p:cNvPr>
+          <p:cNvSpPr/>
+          <p:nvPr/>
+        </p:nvSpPr>
+        <p:spPr>
+          <a:xfrm>
+            <a:off x="2842669" y="2214694"/>
+            <a:ext cx="7159170" cy="923330"/>
+          </a:xfrm>
+          <a:prstGeom prst="rect">
+            <a:avLst/>
+          </a:prstGeom>
+        </p:spPr>
+        <p:txBody>
+          <a:bodyPr wrap="square">
+            <a:spAutoFit/>
+          </a:bodyPr>
+          <a:lstStyle/>
+          <a:p>
+            <a:r>
+              <a:rPr kumimoji="1" lang="ja-JP" altLang="en-US" dirty="0"/>
+              <a:t>この前やってたやつを実際にしてみたおまけ</a:t>
+            </a:r>
+            <a:endParaRPr kumimoji="1" lang="en-US" altLang="ja-JP" dirty="0"/>
+          </a:p>
+          <a:p>
+            <a:endParaRPr kumimoji="1" lang="en-US" altLang="ja-JP" dirty="0"/>
+          </a:p>
+          <a:p>
+            <a:r>
+              <a:rPr kumimoji="1" lang="en-US" altLang="ja-JP" dirty="0"/>
+              <a:t>test99_omake.js test99_omake.html</a:t>
+            </a:r>
+          </a:p>
+        </p:txBody>
+      </p:sp>
+    </p:spTree>
+    <p:extLst>
+      <p:ext uri="{BB962C8B-B14F-4D97-AF65-F5344CB8AC3E}">
+        <p14:creationId xmlns:p14="http://schemas.microsoft.com/office/powerpoint/2010/main" val="3026805069"/>
       </p:ext>
     </p:extLst>
   </p:cSld>
@@ -15921,9 +16095,16 @@
             <p:ph sz="quarter" idx="13"/>
           </p:nvPr>
         </p:nvSpPr>
-        <p:spPr/>
-        <p:txBody>
-          <a:bodyPr/>
+        <p:spPr>
+          <a:xfrm>
+            <a:off x="913774" y="2007910"/>
+            <a:ext cx="10363826" cy="3783290"/>
+          </a:xfrm>
+        </p:spPr>
+        <p:txBody>
+          <a:bodyPr>
+            <a:normAutofit fontScale="92500" lnSpcReduction="20000"/>
+          </a:bodyPr>
           <a:lstStyle/>
           <a:p>
             <a:pPr marL="0" indent="0">
@@ -15951,7 +16132,7 @@
             </a:r>
             <a:r>
               <a:rPr kumimoji="1" lang="ja-JP" altLang="en-US" dirty="0"/>
-              <a:t>と言語構文を似せてる割に↓がぜんぜん違う。</a:t>
+              <a:t>と言語構文を似せてるが↓が全然違う。</a:t>
             </a:r>
             <a:endParaRPr kumimoji="1" lang="en-US" altLang="ja-JP" dirty="0"/>
           </a:p>
@@ -15960,65 +16141,33 @@
               <a:buNone/>
             </a:pPr>
             <a:r>
-              <a:rPr kumimoji="1" lang="ja-JP" altLang="en-US" dirty="0">
+              <a:rPr kumimoji="1" lang="ja-JP" altLang="en-US" dirty="0"/>
+              <a:t>１：動く</a:t>
+            </a:r>
+            <a:r>
+              <a:rPr lang="ja-JP" altLang="en-US" dirty="0"/>
+              <a:t>実行</a:t>
+            </a:r>
+            <a:r>
+              <a:rPr kumimoji="1" lang="ja-JP" altLang="en-US" dirty="0"/>
+              <a:t>コンテキスト</a:t>
+            </a:r>
+            <a:r>
+              <a:rPr lang="en-US" altLang="ja-JP" dirty="0"/>
+              <a:t>(this)</a:t>
+            </a:r>
+          </a:p>
+          <a:p>
+            <a:pPr marL="0" indent="0">
+              <a:buNone/>
+            </a:pPr>
+            <a:r>
+              <a:rPr lang="ja-JP" altLang="en-US" dirty="0">
                 <a:solidFill>
                   <a:srgbClr val="FF0000"/>
                 </a:solidFill>
               </a:rPr>
-              <a:t>１：動く</a:t>
-            </a:r>
-            <a:r>
-              <a:rPr lang="ja-JP" altLang="en-US" dirty="0">
-                <a:solidFill>
-                  <a:srgbClr val="FF0000"/>
-                </a:solidFill>
-              </a:rPr>
-              <a:t>実行</a:t>
-            </a:r>
-            <a:r>
-              <a:rPr kumimoji="1" lang="ja-JP" altLang="en-US" dirty="0">
-                <a:solidFill>
-                  <a:srgbClr val="FF0000"/>
-                </a:solidFill>
-              </a:rPr>
-              <a:t>コンテキスト</a:t>
-            </a:r>
-            <a:r>
-              <a:rPr lang="en-US" altLang="ja-JP" dirty="0">
-                <a:solidFill>
-                  <a:srgbClr val="FF0000"/>
-                </a:solidFill>
-              </a:rPr>
-              <a:t>(this)</a:t>
-            </a:r>
-          </a:p>
-          <a:p>
-            <a:pPr marL="0" indent="0">
-              <a:buNone/>
-            </a:pPr>
-            <a:r>
-              <a:rPr kumimoji="1" lang="en-US" altLang="ja-JP" dirty="0">
-                <a:solidFill>
-                  <a:srgbClr val="FF0000"/>
-                </a:solidFill>
-              </a:rPr>
-              <a:t>2</a:t>
-            </a:r>
-            <a:r>
-              <a:rPr lang="en-US" altLang="ja-JP" dirty="0">
-                <a:solidFill>
-                  <a:srgbClr val="FF0000"/>
-                </a:solidFill>
-              </a:rPr>
-              <a:t>:</a:t>
-            </a:r>
-            <a:r>
-              <a:rPr lang="ja-JP" altLang="en-US" dirty="0">
-                <a:solidFill>
-                  <a:srgbClr val="FF0000"/>
-                </a:solidFill>
-              </a:rPr>
-              <a:t>非同期処理</a:t>
+              <a:t>２：非同期処理</a:t>
             </a:r>
             <a:endParaRPr lang="en-US" altLang="ja-JP" dirty="0">
               <a:solidFill>
@@ -16031,37 +16180,37 @@
               <a:buNone/>
             </a:pPr>
             <a:r>
-              <a:rPr kumimoji="1" lang="en-US" altLang="ja-JP" dirty="0">
-                <a:solidFill>
-                  <a:srgbClr val="FF0000"/>
-                </a:solidFill>
-              </a:rPr>
-              <a:t>3</a:t>
-            </a:r>
-            <a:r>
-              <a:rPr kumimoji="1" lang="ja-JP" altLang="en-US" dirty="0">
-                <a:solidFill>
-                  <a:srgbClr val="FF0000"/>
-                </a:solidFill>
-              </a:rPr>
+              <a:rPr lang="ja-JP" altLang="en-US" dirty="0"/>
+              <a:t>３</a:t>
+            </a:r>
+            <a:r>
+              <a:rPr kumimoji="1" lang="ja-JP" altLang="en-US" dirty="0"/>
               <a:t>：動的な</a:t>
             </a:r>
             <a:r>
-              <a:rPr kumimoji="1" lang="en-US" altLang="ja-JP" dirty="0">
-                <a:solidFill>
-                  <a:srgbClr val="FF0000"/>
-                </a:solidFill>
-              </a:rPr>
+              <a:rPr kumimoji="1" lang="en-US" altLang="ja-JP" dirty="0"/>
               <a:t>Prototype</a:t>
             </a:r>
             <a:r>
-              <a:rPr kumimoji="1" lang="ja-JP" altLang="en-US" dirty="0">
-                <a:solidFill>
-                  <a:srgbClr val="FF0000"/>
-                </a:solidFill>
-              </a:rPr>
+              <a:rPr kumimoji="1" lang="ja-JP" altLang="en-US" dirty="0"/>
               <a:t>型言語仕様</a:t>
             </a:r>
+            <a:endParaRPr kumimoji="1" lang="en-US" altLang="ja-JP" dirty="0"/>
+          </a:p>
+          <a:p>
+            <a:pPr marL="0" indent="0">
+              <a:buNone/>
+            </a:pPr>
+            <a:r>
+              <a:rPr lang="ja-JP" altLang="en-US" dirty="0"/>
+              <a:t>４：変数スコープが広がるクロージャ</a:t>
+            </a:r>
+            <a:endParaRPr lang="en-US" altLang="ja-JP" dirty="0"/>
+          </a:p>
+          <a:p>
+            <a:pPr marL="0" indent="0">
+              <a:buNone/>
+            </a:pPr>
             <a:endParaRPr kumimoji="1" lang="en-US" altLang="ja-JP" dirty="0">
               <a:solidFill>
                 <a:srgbClr val="FF0000"/>
@@ -17872,8 +18021,8 @@
               <a:t>ブラウザの</a:t>
             </a:r>
             <a:r>
-              <a:rPr lang="en-US" altLang="ja-JP" dirty="0" err="1"/>
-              <a:t>indexeddb</a:t>
+              <a:rPr lang="en-US" altLang="ja-JP" dirty="0"/>
+              <a:t>indexed dB</a:t>
             </a:r>
             <a:r>
               <a:rPr lang="ja-JP" altLang="en-US" dirty="0"/>
